--- a/jenkins/JenkinsBasics.pptx
+++ b/jenkins/JenkinsBasics.pptx
@@ -272,7 +272,7 @@
           <a:p>
             <a:fld id="{F15A6252-5F50-4106-9C23-9E03A675631E}" type="datetimeFigureOut">
               <a:rPr lang="en-IN" smtClean="0"/>
-              <a:t>07-12-2020</a:t>
+              <a:t>10-12-2020</a:t>
             </a:fld>
             <a:endParaRPr lang="en-IN" dirty="0"/>
           </a:p>
@@ -5981,7 +5981,7 @@
           <a:p>
             <a:fld id="{4086692B-153F-4DFE-BFBD-A2AE2C7443B6}" type="datetimeFigureOut">
               <a:rPr lang="en-IN" smtClean="0"/>
-              <a:t>07-12-2020</a:t>
+              <a:t>10-12-2020</a:t>
             </a:fld>
             <a:endParaRPr lang="en-IN" dirty="0"/>
           </a:p>
@@ -6181,7 +6181,7 @@
           <a:p>
             <a:fld id="{4086692B-153F-4DFE-BFBD-A2AE2C7443B6}" type="datetimeFigureOut">
               <a:rPr lang="en-IN" smtClean="0"/>
-              <a:t>07-12-2020</a:t>
+              <a:t>10-12-2020</a:t>
             </a:fld>
             <a:endParaRPr lang="en-IN" dirty="0"/>
           </a:p>
@@ -6391,7 +6391,7 @@
           <a:p>
             <a:fld id="{4086692B-153F-4DFE-BFBD-A2AE2C7443B6}" type="datetimeFigureOut">
               <a:rPr lang="en-IN" smtClean="0"/>
-              <a:t>07-12-2020</a:t>
+              <a:t>10-12-2020</a:t>
             </a:fld>
             <a:endParaRPr lang="en-IN" dirty="0"/>
           </a:p>
@@ -6591,7 +6591,7 @@
           <a:p>
             <a:fld id="{4086692B-153F-4DFE-BFBD-A2AE2C7443B6}" type="datetimeFigureOut">
               <a:rPr lang="en-IN" smtClean="0"/>
-              <a:t>07-12-2020</a:t>
+              <a:t>10-12-2020</a:t>
             </a:fld>
             <a:endParaRPr lang="en-IN" dirty="0"/>
           </a:p>
@@ -6867,7 +6867,7 @@
           <a:p>
             <a:fld id="{4086692B-153F-4DFE-BFBD-A2AE2C7443B6}" type="datetimeFigureOut">
               <a:rPr lang="en-IN" smtClean="0"/>
-              <a:t>07-12-2020</a:t>
+              <a:t>10-12-2020</a:t>
             </a:fld>
             <a:endParaRPr lang="en-IN" dirty="0"/>
           </a:p>
@@ -7135,7 +7135,7 @@
           <a:p>
             <a:fld id="{4086692B-153F-4DFE-BFBD-A2AE2C7443B6}" type="datetimeFigureOut">
               <a:rPr lang="en-IN" smtClean="0"/>
-              <a:t>07-12-2020</a:t>
+              <a:t>10-12-2020</a:t>
             </a:fld>
             <a:endParaRPr lang="en-IN" dirty="0"/>
           </a:p>
@@ -7550,7 +7550,7 @@
           <a:p>
             <a:fld id="{4086692B-153F-4DFE-BFBD-A2AE2C7443B6}" type="datetimeFigureOut">
               <a:rPr lang="en-IN" smtClean="0"/>
-              <a:t>07-12-2020</a:t>
+              <a:t>10-12-2020</a:t>
             </a:fld>
             <a:endParaRPr lang="en-IN" dirty="0"/>
           </a:p>
@@ -7692,7 +7692,7 @@
           <a:p>
             <a:fld id="{4086692B-153F-4DFE-BFBD-A2AE2C7443B6}" type="datetimeFigureOut">
               <a:rPr lang="en-IN" smtClean="0"/>
-              <a:t>07-12-2020</a:t>
+              <a:t>10-12-2020</a:t>
             </a:fld>
             <a:endParaRPr lang="en-IN" dirty="0"/>
           </a:p>
@@ -7805,7 +7805,7 @@
           <a:p>
             <a:fld id="{4086692B-153F-4DFE-BFBD-A2AE2C7443B6}" type="datetimeFigureOut">
               <a:rPr lang="en-IN" smtClean="0"/>
-              <a:t>07-12-2020</a:t>
+              <a:t>10-12-2020</a:t>
             </a:fld>
             <a:endParaRPr lang="en-IN" dirty="0"/>
           </a:p>
@@ -8118,7 +8118,7 @@
           <a:p>
             <a:fld id="{4086692B-153F-4DFE-BFBD-A2AE2C7443B6}" type="datetimeFigureOut">
               <a:rPr lang="en-IN" smtClean="0"/>
-              <a:t>07-12-2020</a:t>
+              <a:t>10-12-2020</a:t>
             </a:fld>
             <a:endParaRPr lang="en-IN" dirty="0"/>
           </a:p>
@@ -8407,7 +8407,7 @@
           <a:p>
             <a:fld id="{4086692B-153F-4DFE-BFBD-A2AE2C7443B6}" type="datetimeFigureOut">
               <a:rPr lang="en-IN" smtClean="0"/>
-              <a:t>07-12-2020</a:t>
+              <a:t>10-12-2020</a:t>
             </a:fld>
             <a:endParaRPr lang="en-IN" dirty="0"/>
           </a:p>
@@ -8650,7 +8650,7 @@
           <a:p>
             <a:fld id="{4086692B-153F-4DFE-BFBD-A2AE2C7443B6}" type="datetimeFigureOut">
               <a:rPr lang="en-IN" smtClean="0"/>
-              <a:t>07-12-2020</a:t>
+              <a:t>10-12-2020</a:t>
             </a:fld>
             <a:endParaRPr lang="en-IN" dirty="0"/>
           </a:p>
@@ -17783,7 +17783,7 @@
                   <a:schemeClr val="bg1"/>
                 </a:solidFill>
               </a:rPr>
-              <a:t> Team/Slave leader and facilitator </a:t>
+              <a:t>Team/Slave leader and facilitator </a:t>
             </a:r>
           </a:p>
           <a:p>
@@ -18714,7 +18714,7 @@
         </p:nvSpPr>
         <p:spPr>
           <a:xfrm>
-            <a:off x="788096" y="1706725"/>
+            <a:off x="788096" y="1715603"/>
             <a:ext cx="10615808" cy="2585323"/>
           </a:xfrm>
           <a:prstGeom prst="rect">
@@ -18752,7 +18752,7 @@
                   <a:schemeClr val="bg1"/>
                 </a:solidFill>
               </a:rPr>
-              <a:t>Spring Backlog</a:t>
+              <a:t>Sprint Backlog</a:t>
             </a:r>
           </a:p>
           <a:p>

--- a/jenkins/JenkinsBasics.pptx
+++ b/jenkins/JenkinsBasics.pptx
@@ -5,7 +5,7 @@
     <p:sldMasterId id="2147483648" r:id="rId1"/>
   </p:sldMasterIdLst>
   <p:notesMasterIdLst>
-    <p:notesMasterId r:id="rId66"/>
+    <p:notesMasterId r:id="rId72"/>
   </p:notesMasterIdLst>
   <p:sldIdLst>
     <p:sldId id="256" r:id="rId2"/>
@@ -64,14 +64,20 @@
     <p:sldId id="671" r:id="rId55"/>
     <p:sldId id="355" r:id="rId56"/>
     <p:sldId id="668" r:id="rId57"/>
-    <p:sldId id="673" r:id="rId58"/>
-    <p:sldId id="672" r:id="rId59"/>
-    <p:sldId id="674" r:id="rId60"/>
-    <p:sldId id="675" r:id="rId61"/>
-    <p:sldId id="676" r:id="rId62"/>
-    <p:sldId id="677" r:id="rId63"/>
-    <p:sldId id="678" r:id="rId64"/>
-    <p:sldId id="679" r:id="rId65"/>
+    <p:sldId id="685" r:id="rId58"/>
+    <p:sldId id="673" r:id="rId59"/>
+    <p:sldId id="672" r:id="rId60"/>
+    <p:sldId id="674" r:id="rId61"/>
+    <p:sldId id="675" r:id="rId62"/>
+    <p:sldId id="676" r:id="rId63"/>
+    <p:sldId id="677" r:id="rId64"/>
+    <p:sldId id="678" r:id="rId65"/>
+    <p:sldId id="679" r:id="rId66"/>
+    <p:sldId id="680" r:id="rId67"/>
+    <p:sldId id="681" r:id="rId68"/>
+    <p:sldId id="682" r:id="rId69"/>
+    <p:sldId id="684" r:id="rId70"/>
+    <p:sldId id="683" r:id="rId71"/>
   </p:sldIdLst>
   <p:sldSz cx="12192000" cy="6858000"/>
   <p:notesSz cx="6858000" cy="9144000"/>
@@ -272,7 +278,7 @@
           <a:p>
             <a:fld id="{F15A6252-5F50-4106-9C23-9E03A675631E}" type="datetimeFigureOut">
               <a:rPr lang="en-IN" smtClean="0"/>
-              <a:t>10-12-2020</a:t>
+              <a:t>11-12-2020</a:t>
             </a:fld>
             <a:endParaRPr lang="en-IN" dirty="0"/>
           </a:p>
@@ -4898,7 +4904,7 @@
     </p:spTree>
     <p:extLst>
       <p:ext uri="{BB962C8B-B14F-4D97-AF65-F5344CB8AC3E}">
-        <p14:creationId xmlns:p14="http://schemas.microsoft.com/office/powerpoint/2010/main" val="4041422844"/>
+        <p14:creationId xmlns:p14="http://schemas.microsoft.com/office/powerpoint/2010/main" val="2471262429"/>
       </p:ext>
     </p:extLst>
   </p:cSld>
@@ -4982,7 +4988,7 @@
     </p:spTree>
     <p:extLst>
       <p:ext uri="{BB962C8B-B14F-4D97-AF65-F5344CB8AC3E}">
-        <p14:creationId xmlns:p14="http://schemas.microsoft.com/office/powerpoint/2010/main" val="982159602"/>
+        <p14:creationId xmlns:p14="http://schemas.microsoft.com/office/powerpoint/2010/main" val="4041422844"/>
       </p:ext>
     </p:extLst>
   </p:cSld>
@@ -5066,7 +5072,7 @@
     </p:spTree>
     <p:extLst>
       <p:ext uri="{BB962C8B-B14F-4D97-AF65-F5344CB8AC3E}">
-        <p14:creationId xmlns:p14="http://schemas.microsoft.com/office/powerpoint/2010/main" val="619146769"/>
+        <p14:creationId xmlns:p14="http://schemas.microsoft.com/office/powerpoint/2010/main" val="982159602"/>
       </p:ext>
     </p:extLst>
   </p:cSld>
@@ -5150,7 +5156,7 @@
     </p:spTree>
     <p:extLst>
       <p:ext uri="{BB962C8B-B14F-4D97-AF65-F5344CB8AC3E}">
-        <p14:creationId xmlns:p14="http://schemas.microsoft.com/office/powerpoint/2010/main" val="2170637908"/>
+        <p14:creationId xmlns:p14="http://schemas.microsoft.com/office/powerpoint/2010/main" val="619146769"/>
       </p:ext>
     </p:extLst>
   </p:cSld>
@@ -5318,7 +5324,7 @@
     </p:spTree>
     <p:extLst>
       <p:ext uri="{BB962C8B-B14F-4D97-AF65-F5344CB8AC3E}">
-        <p14:creationId xmlns:p14="http://schemas.microsoft.com/office/powerpoint/2010/main" val="5195429"/>
+        <p14:creationId xmlns:p14="http://schemas.microsoft.com/office/powerpoint/2010/main" val="2170637908"/>
       </p:ext>
     </p:extLst>
   </p:cSld>
@@ -5402,7 +5408,7 @@
     </p:spTree>
     <p:extLst>
       <p:ext uri="{BB962C8B-B14F-4D97-AF65-F5344CB8AC3E}">
-        <p14:creationId xmlns:p14="http://schemas.microsoft.com/office/powerpoint/2010/main" val="1946243132"/>
+        <p14:creationId xmlns:p14="http://schemas.microsoft.com/office/powerpoint/2010/main" val="5195429"/>
       </p:ext>
     </p:extLst>
   </p:cSld>
@@ -5486,7 +5492,7 @@
     </p:spTree>
     <p:extLst>
       <p:ext uri="{BB962C8B-B14F-4D97-AF65-F5344CB8AC3E}">
-        <p14:creationId xmlns:p14="http://schemas.microsoft.com/office/powerpoint/2010/main" val="733933209"/>
+        <p14:creationId xmlns:p14="http://schemas.microsoft.com/office/powerpoint/2010/main" val="1946243132"/>
       </p:ext>
     </p:extLst>
   </p:cSld>
@@ -5570,7 +5576,511 @@
     </p:spTree>
     <p:extLst>
       <p:ext uri="{BB962C8B-B14F-4D97-AF65-F5344CB8AC3E}">
+        <p14:creationId xmlns:p14="http://schemas.microsoft.com/office/powerpoint/2010/main" val="733933209"/>
+      </p:ext>
+    </p:extLst>
+  </p:cSld>
+  <p:clrMapOvr>
+    <a:masterClrMapping/>
+  </p:clrMapOvr>
+</p:notes>
+</file>
+
+<file path=ppt/notesSlides/notesSlide64.xml><?xml version="1.0" encoding="utf-8"?>
+<p:notes xmlns:a="http://schemas.openxmlformats.org/drawingml/2006/main" xmlns:r="http://schemas.openxmlformats.org/officeDocument/2006/relationships" xmlns:p="http://schemas.openxmlformats.org/presentationml/2006/main">
+  <p:cSld>
+    <p:spTree>
+      <p:nvGrpSpPr>
+        <p:cNvPr id="1" name=""/>
+        <p:cNvGrpSpPr/>
+        <p:nvPr/>
+      </p:nvGrpSpPr>
+      <p:grpSpPr>
+        <a:xfrm>
+          <a:off x="0" y="0"/>
+          <a:ext cx="0" cy="0"/>
+          <a:chOff x="0" y="0"/>
+          <a:chExt cx="0" cy="0"/>
+        </a:xfrm>
+      </p:grpSpPr>
+      <p:sp>
+        <p:nvSpPr>
+          <p:cNvPr id="2" name="Slide Image Placeholder 1"/>
+          <p:cNvSpPr>
+            <a:spLocks noGrp="1" noRot="1" noChangeAspect="1"/>
+          </p:cNvSpPr>
+          <p:nvPr>
+            <p:ph type="sldImg"/>
+          </p:nvPr>
+        </p:nvSpPr>
+        <p:spPr/>
+      </p:sp>
+      <p:sp>
+        <p:nvSpPr>
+          <p:cNvPr id="3" name="Notes Placeholder 2"/>
+          <p:cNvSpPr>
+            <a:spLocks noGrp="1"/>
+          </p:cNvSpPr>
+          <p:nvPr>
+            <p:ph type="body" idx="1"/>
+          </p:nvPr>
+        </p:nvSpPr>
+        <p:spPr/>
+        <p:txBody>
+          <a:bodyPr/>
+          <a:lstStyle/>
+          <a:p>
+            <a:endParaRPr lang="en-IN" dirty="0"/>
+          </a:p>
+        </p:txBody>
+      </p:sp>
+      <p:sp>
+        <p:nvSpPr>
+          <p:cNvPr id="4" name="Slide Number Placeholder 3"/>
+          <p:cNvSpPr>
+            <a:spLocks noGrp="1"/>
+          </p:cNvSpPr>
+          <p:nvPr>
+            <p:ph type="sldNum" sz="quarter" idx="10"/>
+          </p:nvPr>
+        </p:nvSpPr>
+        <p:spPr/>
+        <p:txBody>
+          <a:bodyPr/>
+          <a:lstStyle/>
+          <a:p>
+            <a:fld id="{9B3CEC36-385F-48D4-8D43-C67229F8A2A2}" type="slidenum">
+              <a:rPr lang="en-IN" smtClean="0"/>
+              <a:t>65</a:t>
+            </a:fld>
+            <a:endParaRPr lang="en-IN" dirty="0"/>
+          </a:p>
+        </p:txBody>
+      </p:sp>
+    </p:spTree>
+    <p:extLst>
+      <p:ext uri="{BB962C8B-B14F-4D97-AF65-F5344CB8AC3E}">
         <p14:creationId xmlns:p14="http://schemas.microsoft.com/office/powerpoint/2010/main" val="111698103"/>
+      </p:ext>
+    </p:extLst>
+  </p:cSld>
+  <p:clrMapOvr>
+    <a:masterClrMapping/>
+  </p:clrMapOvr>
+</p:notes>
+</file>
+
+<file path=ppt/notesSlides/notesSlide65.xml><?xml version="1.0" encoding="utf-8"?>
+<p:notes xmlns:a="http://schemas.openxmlformats.org/drawingml/2006/main" xmlns:r="http://schemas.openxmlformats.org/officeDocument/2006/relationships" xmlns:p="http://schemas.openxmlformats.org/presentationml/2006/main">
+  <p:cSld>
+    <p:spTree>
+      <p:nvGrpSpPr>
+        <p:cNvPr id="1" name=""/>
+        <p:cNvGrpSpPr/>
+        <p:nvPr/>
+      </p:nvGrpSpPr>
+      <p:grpSpPr>
+        <a:xfrm>
+          <a:off x="0" y="0"/>
+          <a:ext cx="0" cy="0"/>
+          <a:chOff x="0" y="0"/>
+          <a:chExt cx="0" cy="0"/>
+        </a:xfrm>
+      </p:grpSpPr>
+      <p:sp>
+        <p:nvSpPr>
+          <p:cNvPr id="2" name="Slide Image Placeholder 1"/>
+          <p:cNvSpPr>
+            <a:spLocks noGrp="1" noRot="1" noChangeAspect="1"/>
+          </p:cNvSpPr>
+          <p:nvPr>
+            <p:ph type="sldImg"/>
+          </p:nvPr>
+        </p:nvSpPr>
+        <p:spPr/>
+      </p:sp>
+      <p:sp>
+        <p:nvSpPr>
+          <p:cNvPr id="3" name="Notes Placeholder 2"/>
+          <p:cNvSpPr>
+            <a:spLocks noGrp="1"/>
+          </p:cNvSpPr>
+          <p:nvPr>
+            <p:ph type="body" idx="1"/>
+          </p:nvPr>
+        </p:nvSpPr>
+        <p:spPr/>
+        <p:txBody>
+          <a:bodyPr/>
+          <a:lstStyle/>
+          <a:p>
+            <a:endParaRPr lang="en-IN" dirty="0"/>
+          </a:p>
+        </p:txBody>
+      </p:sp>
+      <p:sp>
+        <p:nvSpPr>
+          <p:cNvPr id="4" name="Slide Number Placeholder 3"/>
+          <p:cNvSpPr>
+            <a:spLocks noGrp="1"/>
+          </p:cNvSpPr>
+          <p:nvPr>
+            <p:ph type="sldNum" sz="quarter" idx="10"/>
+          </p:nvPr>
+        </p:nvSpPr>
+        <p:spPr/>
+        <p:txBody>
+          <a:bodyPr/>
+          <a:lstStyle/>
+          <a:p>
+            <a:fld id="{9B3CEC36-385F-48D4-8D43-C67229F8A2A2}" type="slidenum">
+              <a:rPr lang="en-IN" smtClean="0"/>
+              <a:t>66</a:t>
+            </a:fld>
+            <a:endParaRPr lang="en-IN" dirty="0"/>
+          </a:p>
+        </p:txBody>
+      </p:sp>
+    </p:spTree>
+    <p:extLst>
+      <p:ext uri="{BB962C8B-B14F-4D97-AF65-F5344CB8AC3E}">
+        <p14:creationId xmlns:p14="http://schemas.microsoft.com/office/powerpoint/2010/main" val="2292181568"/>
+      </p:ext>
+    </p:extLst>
+  </p:cSld>
+  <p:clrMapOvr>
+    <a:masterClrMapping/>
+  </p:clrMapOvr>
+</p:notes>
+</file>
+
+<file path=ppt/notesSlides/notesSlide66.xml><?xml version="1.0" encoding="utf-8"?>
+<p:notes xmlns:a="http://schemas.openxmlformats.org/drawingml/2006/main" xmlns:r="http://schemas.openxmlformats.org/officeDocument/2006/relationships" xmlns:p="http://schemas.openxmlformats.org/presentationml/2006/main">
+  <p:cSld>
+    <p:spTree>
+      <p:nvGrpSpPr>
+        <p:cNvPr id="1" name=""/>
+        <p:cNvGrpSpPr/>
+        <p:nvPr/>
+      </p:nvGrpSpPr>
+      <p:grpSpPr>
+        <a:xfrm>
+          <a:off x="0" y="0"/>
+          <a:ext cx="0" cy="0"/>
+          <a:chOff x="0" y="0"/>
+          <a:chExt cx="0" cy="0"/>
+        </a:xfrm>
+      </p:grpSpPr>
+      <p:sp>
+        <p:nvSpPr>
+          <p:cNvPr id="2" name="Slide Image Placeholder 1"/>
+          <p:cNvSpPr>
+            <a:spLocks noGrp="1" noRot="1" noChangeAspect="1"/>
+          </p:cNvSpPr>
+          <p:nvPr>
+            <p:ph type="sldImg"/>
+          </p:nvPr>
+        </p:nvSpPr>
+        <p:spPr/>
+      </p:sp>
+      <p:sp>
+        <p:nvSpPr>
+          <p:cNvPr id="3" name="Notes Placeholder 2"/>
+          <p:cNvSpPr>
+            <a:spLocks noGrp="1"/>
+          </p:cNvSpPr>
+          <p:nvPr>
+            <p:ph type="body" idx="1"/>
+          </p:nvPr>
+        </p:nvSpPr>
+        <p:spPr/>
+        <p:txBody>
+          <a:bodyPr/>
+          <a:lstStyle/>
+          <a:p>
+            <a:endParaRPr lang="en-IN" dirty="0"/>
+          </a:p>
+        </p:txBody>
+      </p:sp>
+      <p:sp>
+        <p:nvSpPr>
+          <p:cNvPr id="4" name="Slide Number Placeholder 3"/>
+          <p:cNvSpPr>
+            <a:spLocks noGrp="1"/>
+          </p:cNvSpPr>
+          <p:nvPr>
+            <p:ph type="sldNum" sz="quarter" idx="10"/>
+          </p:nvPr>
+        </p:nvSpPr>
+        <p:spPr/>
+        <p:txBody>
+          <a:bodyPr/>
+          <a:lstStyle/>
+          <a:p>
+            <a:fld id="{9B3CEC36-385F-48D4-8D43-C67229F8A2A2}" type="slidenum">
+              <a:rPr lang="en-IN" smtClean="0"/>
+              <a:t>67</a:t>
+            </a:fld>
+            <a:endParaRPr lang="en-IN" dirty="0"/>
+          </a:p>
+        </p:txBody>
+      </p:sp>
+    </p:spTree>
+    <p:extLst>
+      <p:ext uri="{BB962C8B-B14F-4D97-AF65-F5344CB8AC3E}">
+        <p14:creationId xmlns:p14="http://schemas.microsoft.com/office/powerpoint/2010/main" val="3401734329"/>
+      </p:ext>
+    </p:extLst>
+  </p:cSld>
+  <p:clrMapOvr>
+    <a:masterClrMapping/>
+  </p:clrMapOvr>
+</p:notes>
+</file>
+
+<file path=ppt/notesSlides/notesSlide67.xml><?xml version="1.0" encoding="utf-8"?>
+<p:notes xmlns:a="http://schemas.openxmlformats.org/drawingml/2006/main" xmlns:r="http://schemas.openxmlformats.org/officeDocument/2006/relationships" xmlns:p="http://schemas.openxmlformats.org/presentationml/2006/main">
+  <p:cSld>
+    <p:spTree>
+      <p:nvGrpSpPr>
+        <p:cNvPr id="1" name=""/>
+        <p:cNvGrpSpPr/>
+        <p:nvPr/>
+      </p:nvGrpSpPr>
+      <p:grpSpPr>
+        <a:xfrm>
+          <a:off x="0" y="0"/>
+          <a:ext cx="0" cy="0"/>
+          <a:chOff x="0" y="0"/>
+          <a:chExt cx="0" cy="0"/>
+        </a:xfrm>
+      </p:grpSpPr>
+      <p:sp>
+        <p:nvSpPr>
+          <p:cNvPr id="2" name="Slide Image Placeholder 1"/>
+          <p:cNvSpPr>
+            <a:spLocks noGrp="1" noRot="1" noChangeAspect="1"/>
+          </p:cNvSpPr>
+          <p:nvPr>
+            <p:ph type="sldImg"/>
+          </p:nvPr>
+        </p:nvSpPr>
+        <p:spPr/>
+      </p:sp>
+      <p:sp>
+        <p:nvSpPr>
+          <p:cNvPr id="3" name="Notes Placeholder 2"/>
+          <p:cNvSpPr>
+            <a:spLocks noGrp="1"/>
+          </p:cNvSpPr>
+          <p:nvPr>
+            <p:ph type="body" idx="1"/>
+          </p:nvPr>
+        </p:nvSpPr>
+        <p:spPr/>
+        <p:txBody>
+          <a:bodyPr/>
+          <a:lstStyle/>
+          <a:p>
+            <a:endParaRPr lang="en-IN" dirty="0"/>
+          </a:p>
+        </p:txBody>
+      </p:sp>
+      <p:sp>
+        <p:nvSpPr>
+          <p:cNvPr id="4" name="Slide Number Placeholder 3"/>
+          <p:cNvSpPr>
+            <a:spLocks noGrp="1"/>
+          </p:cNvSpPr>
+          <p:nvPr>
+            <p:ph type="sldNum" sz="quarter" idx="10"/>
+          </p:nvPr>
+        </p:nvSpPr>
+        <p:spPr/>
+        <p:txBody>
+          <a:bodyPr/>
+          <a:lstStyle/>
+          <a:p>
+            <a:fld id="{9B3CEC36-385F-48D4-8D43-C67229F8A2A2}" type="slidenum">
+              <a:rPr lang="en-IN" smtClean="0"/>
+              <a:t>68</a:t>
+            </a:fld>
+            <a:endParaRPr lang="en-IN" dirty="0"/>
+          </a:p>
+        </p:txBody>
+      </p:sp>
+    </p:spTree>
+    <p:extLst>
+      <p:ext uri="{BB962C8B-B14F-4D97-AF65-F5344CB8AC3E}">
+        <p14:creationId xmlns:p14="http://schemas.microsoft.com/office/powerpoint/2010/main" val="2558713024"/>
+      </p:ext>
+    </p:extLst>
+  </p:cSld>
+  <p:clrMapOvr>
+    <a:masterClrMapping/>
+  </p:clrMapOvr>
+</p:notes>
+</file>
+
+<file path=ppt/notesSlides/notesSlide68.xml><?xml version="1.0" encoding="utf-8"?>
+<p:notes xmlns:a="http://schemas.openxmlformats.org/drawingml/2006/main" xmlns:r="http://schemas.openxmlformats.org/officeDocument/2006/relationships" xmlns:p="http://schemas.openxmlformats.org/presentationml/2006/main">
+  <p:cSld>
+    <p:spTree>
+      <p:nvGrpSpPr>
+        <p:cNvPr id="1" name=""/>
+        <p:cNvGrpSpPr/>
+        <p:nvPr/>
+      </p:nvGrpSpPr>
+      <p:grpSpPr>
+        <a:xfrm>
+          <a:off x="0" y="0"/>
+          <a:ext cx="0" cy="0"/>
+          <a:chOff x="0" y="0"/>
+          <a:chExt cx="0" cy="0"/>
+        </a:xfrm>
+      </p:grpSpPr>
+      <p:sp>
+        <p:nvSpPr>
+          <p:cNvPr id="2" name="Slide Image Placeholder 1"/>
+          <p:cNvSpPr>
+            <a:spLocks noGrp="1" noRot="1" noChangeAspect="1"/>
+          </p:cNvSpPr>
+          <p:nvPr>
+            <p:ph type="sldImg"/>
+          </p:nvPr>
+        </p:nvSpPr>
+        <p:spPr/>
+      </p:sp>
+      <p:sp>
+        <p:nvSpPr>
+          <p:cNvPr id="3" name="Notes Placeholder 2"/>
+          <p:cNvSpPr>
+            <a:spLocks noGrp="1"/>
+          </p:cNvSpPr>
+          <p:nvPr>
+            <p:ph type="body" idx="1"/>
+          </p:nvPr>
+        </p:nvSpPr>
+        <p:spPr/>
+        <p:txBody>
+          <a:bodyPr/>
+          <a:lstStyle/>
+          <a:p>
+            <a:endParaRPr lang="en-IN" dirty="0"/>
+          </a:p>
+        </p:txBody>
+      </p:sp>
+      <p:sp>
+        <p:nvSpPr>
+          <p:cNvPr id="4" name="Slide Number Placeholder 3"/>
+          <p:cNvSpPr>
+            <a:spLocks noGrp="1"/>
+          </p:cNvSpPr>
+          <p:nvPr>
+            <p:ph type="sldNum" sz="quarter" idx="10"/>
+          </p:nvPr>
+        </p:nvSpPr>
+        <p:spPr/>
+        <p:txBody>
+          <a:bodyPr/>
+          <a:lstStyle/>
+          <a:p>
+            <a:fld id="{9B3CEC36-385F-48D4-8D43-C67229F8A2A2}" type="slidenum">
+              <a:rPr lang="en-IN" smtClean="0"/>
+              <a:t>69</a:t>
+            </a:fld>
+            <a:endParaRPr lang="en-IN" dirty="0"/>
+          </a:p>
+        </p:txBody>
+      </p:sp>
+    </p:spTree>
+    <p:extLst>
+      <p:ext uri="{BB962C8B-B14F-4D97-AF65-F5344CB8AC3E}">
+        <p14:creationId xmlns:p14="http://schemas.microsoft.com/office/powerpoint/2010/main" val="3989027037"/>
+      </p:ext>
+    </p:extLst>
+  </p:cSld>
+  <p:clrMapOvr>
+    <a:masterClrMapping/>
+  </p:clrMapOvr>
+</p:notes>
+</file>
+
+<file path=ppt/notesSlides/notesSlide69.xml><?xml version="1.0" encoding="utf-8"?>
+<p:notes xmlns:a="http://schemas.openxmlformats.org/drawingml/2006/main" xmlns:r="http://schemas.openxmlformats.org/officeDocument/2006/relationships" xmlns:p="http://schemas.openxmlformats.org/presentationml/2006/main">
+  <p:cSld>
+    <p:spTree>
+      <p:nvGrpSpPr>
+        <p:cNvPr id="1" name=""/>
+        <p:cNvGrpSpPr/>
+        <p:nvPr/>
+      </p:nvGrpSpPr>
+      <p:grpSpPr>
+        <a:xfrm>
+          <a:off x="0" y="0"/>
+          <a:ext cx="0" cy="0"/>
+          <a:chOff x="0" y="0"/>
+          <a:chExt cx="0" cy="0"/>
+        </a:xfrm>
+      </p:grpSpPr>
+      <p:sp>
+        <p:nvSpPr>
+          <p:cNvPr id="2" name="Slide Image Placeholder 1"/>
+          <p:cNvSpPr>
+            <a:spLocks noGrp="1" noRot="1" noChangeAspect="1"/>
+          </p:cNvSpPr>
+          <p:nvPr>
+            <p:ph type="sldImg"/>
+          </p:nvPr>
+        </p:nvSpPr>
+        <p:spPr/>
+      </p:sp>
+      <p:sp>
+        <p:nvSpPr>
+          <p:cNvPr id="3" name="Notes Placeholder 2"/>
+          <p:cNvSpPr>
+            <a:spLocks noGrp="1"/>
+          </p:cNvSpPr>
+          <p:nvPr>
+            <p:ph type="body" idx="1"/>
+          </p:nvPr>
+        </p:nvSpPr>
+        <p:spPr/>
+        <p:txBody>
+          <a:bodyPr/>
+          <a:lstStyle/>
+          <a:p>
+            <a:endParaRPr lang="en-IN" dirty="0"/>
+          </a:p>
+        </p:txBody>
+      </p:sp>
+      <p:sp>
+        <p:nvSpPr>
+          <p:cNvPr id="4" name="Slide Number Placeholder 3"/>
+          <p:cNvSpPr>
+            <a:spLocks noGrp="1"/>
+          </p:cNvSpPr>
+          <p:nvPr>
+            <p:ph type="sldNum" sz="quarter" idx="10"/>
+          </p:nvPr>
+        </p:nvSpPr>
+        <p:spPr/>
+        <p:txBody>
+          <a:bodyPr/>
+          <a:lstStyle/>
+          <a:p>
+            <a:fld id="{9B3CEC36-385F-48D4-8D43-C67229F8A2A2}" type="slidenum">
+              <a:rPr lang="en-IN" smtClean="0"/>
+              <a:t>70</a:t>
+            </a:fld>
+            <a:endParaRPr lang="en-IN" dirty="0"/>
+          </a:p>
+        </p:txBody>
+      </p:sp>
+    </p:spTree>
+    <p:extLst>
+      <p:ext uri="{BB962C8B-B14F-4D97-AF65-F5344CB8AC3E}">
+        <p14:creationId xmlns:p14="http://schemas.microsoft.com/office/powerpoint/2010/main" val="1725227692"/>
       </p:ext>
     </p:extLst>
   </p:cSld>
@@ -5981,7 +6491,7 @@
           <a:p>
             <a:fld id="{4086692B-153F-4DFE-BFBD-A2AE2C7443B6}" type="datetimeFigureOut">
               <a:rPr lang="en-IN" smtClean="0"/>
-              <a:t>10-12-2020</a:t>
+              <a:t>11-12-2020</a:t>
             </a:fld>
             <a:endParaRPr lang="en-IN" dirty="0"/>
           </a:p>
@@ -6181,7 +6691,7 @@
           <a:p>
             <a:fld id="{4086692B-153F-4DFE-BFBD-A2AE2C7443B6}" type="datetimeFigureOut">
               <a:rPr lang="en-IN" smtClean="0"/>
-              <a:t>10-12-2020</a:t>
+              <a:t>11-12-2020</a:t>
             </a:fld>
             <a:endParaRPr lang="en-IN" dirty="0"/>
           </a:p>
@@ -6391,7 +6901,7 @@
           <a:p>
             <a:fld id="{4086692B-153F-4DFE-BFBD-A2AE2C7443B6}" type="datetimeFigureOut">
               <a:rPr lang="en-IN" smtClean="0"/>
-              <a:t>10-12-2020</a:t>
+              <a:t>11-12-2020</a:t>
             </a:fld>
             <a:endParaRPr lang="en-IN" dirty="0"/>
           </a:p>
@@ -6591,7 +7101,7 @@
           <a:p>
             <a:fld id="{4086692B-153F-4DFE-BFBD-A2AE2C7443B6}" type="datetimeFigureOut">
               <a:rPr lang="en-IN" smtClean="0"/>
-              <a:t>10-12-2020</a:t>
+              <a:t>11-12-2020</a:t>
             </a:fld>
             <a:endParaRPr lang="en-IN" dirty="0"/>
           </a:p>
@@ -6867,7 +7377,7 @@
           <a:p>
             <a:fld id="{4086692B-153F-4DFE-BFBD-A2AE2C7443B6}" type="datetimeFigureOut">
               <a:rPr lang="en-IN" smtClean="0"/>
-              <a:t>10-12-2020</a:t>
+              <a:t>11-12-2020</a:t>
             </a:fld>
             <a:endParaRPr lang="en-IN" dirty="0"/>
           </a:p>
@@ -7135,7 +7645,7 @@
           <a:p>
             <a:fld id="{4086692B-153F-4DFE-BFBD-A2AE2C7443B6}" type="datetimeFigureOut">
               <a:rPr lang="en-IN" smtClean="0"/>
-              <a:t>10-12-2020</a:t>
+              <a:t>11-12-2020</a:t>
             </a:fld>
             <a:endParaRPr lang="en-IN" dirty="0"/>
           </a:p>
@@ -7550,7 +8060,7 @@
           <a:p>
             <a:fld id="{4086692B-153F-4DFE-BFBD-A2AE2C7443B6}" type="datetimeFigureOut">
               <a:rPr lang="en-IN" smtClean="0"/>
-              <a:t>10-12-2020</a:t>
+              <a:t>11-12-2020</a:t>
             </a:fld>
             <a:endParaRPr lang="en-IN" dirty="0"/>
           </a:p>
@@ -7692,7 +8202,7 @@
           <a:p>
             <a:fld id="{4086692B-153F-4DFE-BFBD-A2AE2C7443B6}" type="datetimeFigureOut">
               <a:rPr lang="en-IN" smtClean="0"/>
-              <a:t>10-12-2020</a:t>
+              <a:t>11-12-2020</a:t>
             </a:fld>
             <a:endParaRPr lang="en-IN" dirty="0"/>
           </a:p>
@@ -7805,7 +8315,7 @@
           <a:p>
             <a:fld id="{4086692B-153F-4DFE-BFBD-A2AE2C7443B6}" type="datetimeFigureOut">
               <a:rPr lang="en-IN" smtClean="0"/>
-              <a:t>10-12-2020</a:t>
+              <a:t>11-12-2020</a:t>
             </a:fld>
             <a:endParaRPr lang="en-IN" dirty="0"/>
           </a:p>
@@ -8118,7 +8628,7 @@
           <a:p>
             <a:fld id="{4086692B-153F-4DFE-BFBD-A2AE2C7443B6}" type="datetimeFigureOut">
               <a:rPr lang="en-IN" smtClean="0"/>
-              <a:t>10-12-2020</a:t>
+              <a:t>11-12-2020</a:t>
             </a:fld>
             <a:endParaRPr lang="en-IN" dirty="0"/>
           </a:p>
@@ -8407,7 +8917,7 @@
           <a:p>
             <a:fld id="{4086692B-153F-4DFE-BFBD-A2AE2C7443B6}" type="datetimeFigureOut">
               <a:rPr lang="en-IN" smtClean="0"/>
-              <a:t>10-12-2020</a:t>
+              <a:t>11-12-2020</a:t>
             </a:fld>
             <a:endParaRPr lang="en-IN" dirty="0"/>
           </a:p>
@@ -8650,7 +9160,7 @@
           <a:p>
             <a:fld id="{4086692B-153F-4DFE-BFBD-A2AE2C7443B6}" type="datetimeFigureOut">
               <a:rPr lang="en-IN" smtClean="0"/>
-              <a:t>10-12-2020</a:t>
+              <a:t>11-12-2020</a:t>
             </a:fld>
             <a:endParaRPr lang="en-IN" dirty="0"/>
           </a:p>
@@ -12650,7 +13160,7 @@
         </p:nvSpPr>
         <p:spPr>
           <a:xfrm>
-            <a:off x="838200" y="1482894"/>
+            <a:off x="1051265" y="1527283"/>
             <a:ext cx="10615808" cy="4247317"/>
           </a:xfrm>
           <a:prstGeom prst="rect">
@@ -14917,31 +15427,31 @@
             </a:r>
           </a:p>
           <a:p>
-            <a:pPr marL="285750" lvl="0" indent="-285750">
-              <a:buFont typeface="Arial" panose="020B0604020202020204" pitchFamily="34" charset="0"/>
-              <a:buChar char="•"/>
-            </a:pPr>
-            <a:r>
-              <a:rPr lang="en-US" b="1" dirty="0">
-                <a:solidFill>
-                  <a:schemeClr val="bg1"/>
-                </a:solidFill>
-              </a:rPr>
-              <a:t>	software application </a:t>
-            </a:r>
-          </a:p>
-          <a:p>
-            <a:pPr marL="285750" lvl="0" indent="-285750">
-              <a:buFont typeface="Arial" panose="020B0604020202020204" pitchFamily="34" charset="0"/>
-              <a:buChar char="•"/>
-            </a:pPr>
-            <a:r>
-              <a:rPr lang="en-US" b="1" dirty="0">
-                <a:solidFill>
-                  <a:schemeClr val="bg1"/>
-                </a:solidFill>
-              </a:rPr>
-              <a:t>	will satisfy those requirements.</a:t>
+            <a:pPr marL="742950" lvl="1" indent="-285750">
+              <a:buFont typeface="Arial" panose="020B0604020202020204" pitchFamily="34" charset="0"/>
+              <a:buChar char="•"/>
+            </a:pPr>
+            <a:r>
+              <a:rPr lang="en-US" b="1" dirty="0">
+                <a:solidFill>
+                  <a:schemeClr val="bg1"/>
+                </a:solidFill>
+              </a:rPr>
+              <a:t>software application </a:t>
+            </a:r>
+          </a:p>
+          <a:p>
+            <a:pPr marL="742950" lvl="1" indent="-285750">
+              <a:buFont typeface="Arial" panose="020B0604020202020204" pitchFamily="34" charset="0"/>
+              <a:buChar char="•"/>
+            </a:pPr>
+            <a:r>
+              <a:rPr lang="en-US" b="1" dirty="0">
+                <a:solidFill>
+                  <a:schemeClr val="bg1"/>
+                </a:solidFill>
+              </a:rPr>
+              <a:t>will satisfy those requirements.</a:t>
             </a:r>
           </a:p>
           <a:p>
@@ -21030,7 +21540,7 @@
         </p:nvSpPr>
         <p:spPr>
           <a:xfrm>
-            <a:off x="923875" y="1655450"/>
+            <a:off x="838200" y="1318098"/>
             <a:ext cx="10615808" cy="5632311"/>
           </a:xfrm>
           <a:prstGeom prst="rect">
@@ -21058,17 +21568,17 @@
             </a:r>
           </a:p>
           <a:p>
-            <a:pPr marL="285750" lvl="0" indent="-285750">
-              <a:buFont typeface="Arial" panose="020B0604020202020204" pitchFamily="34" charset="0"/>
-              <a:buChar char="•"/>
-            </a:pPr>
-            <a:r>
-              <a:rPr lang="en-US" b="1" dirty="0">
-                <a:solidFill>
-                  <a:schemeClr val="bg1"/>
-                </a:solidFill>
-              </a:rPr>
-              <a:t>	Written in a single file (adv?)</a:t>
+            <a:pPr marL="742950" lvl="1" indent="-285750">
+              <a:buFont typeface="Arial" panose="020B0604020202020204" pitchFamily="34" charset="0"/>
+              <a:buChar char="•"/>
+            </a:pPr>
+            <a:r>
+              <a:rPr lang="en-US" b="1" dirty="0">
+                <a:solidFill>
+                  <a:schemeClr val="bg1"/>
+                </a:solidFill>
+              </a:rPr>
+              <a:t>Written in a single file (adv?)</a:t>
             </a:r>
           </a:p>
           <a:p>
@@ -21086,31 +21596,31 @@
             </a:r>
           </a:p>
           <a:p>
-            <a:pPr marL="285750" lvl="0" indent="-285750">
-              <a:buFont typeface="Arial" panose="020B0604020202020204" pitchFamily="34" charset="0"/>
-              <a:buChar char="•"/>
-            </a:pPr>
-            <a:r>
-              <a:rPr lang="en-US" b="1" dirty="0">
-                <a:solidFill>
-                  <a:schemeClr val="bg1"/>
-                </a:solidFill>
-              </a:rPr>
-              <a:t>	as an entire script </a:t>
-            </a:r>
-          </a:p>
-          <a:p>
-            <a:pPr marL="285750" lvl="0" indent="-285750">
-              <a:buFont typeface="Arial" panose="020B0604020202020204" pitchFamily="34" charset="0"/>
-              <a:buChar char="•"/>
-            </a:pPr>
-            <a:r>
-              <a:rPr lang="en-US" b="1" dirty="0">
-                <a:solidFill>
-                  <a:schemeClr val="bg1"/>
-                </a:solidFill>
-              </a:rPr>
-              <a:t>	can be managed with a version control system.</a:t>
+            <a:pPr marL="742950" lvl="1" indent="-285750">
+              <a:buFont typeface="Arial" panose="020B0604020202020204" pitchFamily="34" charset="0"/>
+              <a:buChar char="•"/>
+            </a:pPr>
+            <a:r>
+              <a:rPr lang="en-US" b="1" dirty="0">
+                <a:solidFill>
+                  <a:schemeClr val="bg1"/>
+                </a:solidFill>
+              </a:rPr>
+              <a:t>as an entire script </a:t>
+            </a:r>
+          </a:p>
+          <a:p>
+            <a:pPr marL="742950" lvl="1" indent="-285750">
+              <a:buFont typeface="Arial" panose="020B0604020202020204" pitchFamily="34" charset="0"/>
+              <a:buChar char="•"/>
+            </a:pPr>
+            <a:r>
+              <a:rPr lang="en-US" b="1" dirty="0">
+                <a:solidFill>
+                  <a:schemeClr val="bg1"/>
+                </a:solidFill>
+              </a:rPr>
+              <a:t>can be managed with a version control system.</a:t>
             </a:r>
           </a:p>
           <a:p>
@@ -21896,7 +22406,7 @@
         <p:spPr>
           <a:xfrm>
             <a:off x="838200" y="1476775"/>
-            <a:ext cx="10615808" cy="5632311"/>
+            <a:ext cx="10615808" cy="2031325"/>
           </a:xfrm>
           <a:prstGeom prst="rect">
             <a:avLst/>
@@ -22010,188 +22520,6 @@
           </a:p>
           <a:p>
             <a:pPr marL="285750" lvl="0" indent="-285750">
-              <a:buFont typeface="Arial" panose="020B0604020202020204" pitchFamily="34" charset="0"/>
-              <a:buChar char="•"/>
-            </a:pPr>
-            <a:r>
-              <a:rPr lang="en-US" b="1" dirty="0">
-                <a:solidFill>
-                  <a:schemeClr val="bg1"/>
-                </a:solidFill>
-              </a:rPr>
-              <a:t>Most commonly used Agent parameters are:</a:t>
-            </a:r>
-          </a:p>
-          <a:p>
-            <a:pPr marL="285750" lvl="0" indent="-285750">
-              <a:buFont typeface="Arial" panose="020B0604020202020204" pitchFamily="34" charset="0"/>
-              <a:buChar char="•"/>
-            </a:pPr>
-            <a:r>
-              <a:rPr lang="en-US" b="1" dirty="0">
-                <a:solidFill>
-                  <a:schemeClr val="bg1"/>
-                </a:solidFill>
-              </a:rPr>
-              <a:t>Any</a:t>
-            </a:r>
-          </a:p>
-          <a:p>
-            <a:pPr marL="742950" lvl="1" indent="-285750">
-              <a:buFont typeface="Arial" panose="020B0604020202020204" pitchFamily="34" charset="0"/>
-              <a:buChar char="•"/>
-            </a:pPr>
-            <a:r>
-              <a:rPr lang="en-US" b="1" dirty="0">
-                <a:solidFill>
-                  <a:schemeClr val="bg1"/>
-                </a:solidFill>
-              </a:rPr>
-              <a:t>Runs stage pipeline on any available agent in Jenkins</a:t>
-            </a:r>
-          </a:p>
-          <a:p>
-            <a:pPr marL="285750" lvl="0" indent="-285750">
-              <a:buFont typeface="Arial" panose="020B0604020202020204" pitchFamily="34" charset="0"/>
-              <a:buChar char="•"/>
-            </a:pPr>
-            <a:r>
-              <a:rPr lang="en-US" b="1" dirty="0">
-                <a:solidFill>
-                  <a:schemeClr val="bg1"/>
-                </a:solidFill>
-              </a:rPr>
-              <a:t>None</a:t>
-            </a:r>
-          </a:p>
-          <a:p>
-            <a:pPr marL="742950" lvl="1" indent="-285750">
-              <a:buFont typeface="Arial" panose="020B0604020202020204" pitchFamily="34" charset="0"/>
-              <a:buChar char="•"/>
-            </a:pPr>
-            <a:r>
-              <a:rPr lang="en-US" b="1" dirty="0">
-                <a:solidFill>
-                  <a:schemeClr val="bg1"/>
-                </a:solidFill>
-              </a:rPr>
-              <a:t>If present, this parameter is added to the root of the pipeline. </a:t>
-            </a:r>
-          </a:p>
-          <a:p>
-            <a:pPr marL="742950" lvl="1" indent="-285750">
-              <a:buFont typeface="Arial" panose="020B0604020202020204" pitchFamily="34" charset="0"/>
-              <a:buChar char="•"/>
-            </a:pPr>
-            <a:r>
-              <a:rPr lang="en-US" b="1" dirty="0">
-                <a:solidFill>
-                  <a:schemeClr val="bg1"/>
-                </a:solidFill>
-              </a:rPr>
-              <a:t>There is no global agent for the entire pipeline</a:t>
-            </a:r>
-          </a:p>
-          <a:p>
-            <a:pPr marL="742950" lvl="1" indent="-285750">
-              <a:buFont typeface="Arial" panose="020B0604020202020204" pitchFamily="34" charset="0"/>
-              <a:buChar char="•"/>
-            </a:pPr>
-            <a:r>
-              <a:rPr lang="en-US" b="1" dirty="0">
-                <a:solidFill>
-                  <a:schemeClr val="bg1"/>
-                </a:solidFill>
-              </a:rPr>
-              <a:t>Each stage must define its own agent.</a:t>
-            </a:r>
-          </a:p>
-          <a:p>
-            <a:pPr marL="285750" lvl="0" indent="-285750">
-              <a:buFont typeface="Arial" panose="020B0604020202020204" pitchFamily="34" charset="0"/>
-              <a:buChar char="•"/>
-            </a:pPr>
-            <a:r>
-              <a:rPr lang="en-US" b="1" dirty="0">
-                <a:solidFill>
-                  <a:schemeClr val="bg1"/>
-                </a:solidFill>
-              </a:rPr>
-              <a:t>Label</a:t>
-            </a:r>
-          </a:p>
-          <a:p>
-            <a:pPr marL="742950" lvl="1" indent="-285750">
-              <a:buFont typeface="Arial" panose="020B0604020202020204" pitchFamily="34" charset="0"/>
-              <a:buChar char="•"/>
-            </a:pPr>
-            <a:r>
-              <a:rPr lang="en-US" b="1" dirty="0">
-                <a:solidFill>
-                  <a:schemeClr val="bg1"/>
-                </a:solidFill>
-              </a:rPr>
-              <a:t>Performs on the labeled agent the pipeline/stage.</a:t>
-            </a:r>
-          </a:p>
-          <a:p>
-            <a:pPr marL="285750" lvl="0" indent="-285750">
-              <a:buFont typeface="Arial" panose="020B0604020202020204" pitchFamily="34" charset="0"/>
-              <a:buChar char="•"/>
-            </a:pPr>
-            <a:r>
-              <a:rPr lang="en-US" b="1" dirty="0">
-                <a:solidFill>
-                  <a:schemeClr val="bg1"/>
-                </a:solidFill>
-              </a:rPr>
-              <a:t>Docker</a:t>
-            </a:r>
-          </a:p>
-          <a:p>
-            <a:pPr marL="742950" lvl="1" indent="-285750">
-              <a:buFont typeface="Arial" panose="020B0604020202020204" pitchFamily="34" charset="0"/>
-              <a:buChar char="•"/>
-            </a:pPr>
-            <a:r>
-              <a:rPr lang="en-US" b="1" dirty="0">
-                <a:solidFill>
-                  <a:schemeClr val="bg1"/>
-                </a:solidFill>
-              </a:rPr>
-              <a:t>Pipeline is executed on a docker container</a:t>
-            </a:r>
-          </a:p>
-          <a:p>
-            <a:pPr marL="742950" lvl="1" indent="-285750">
-              <a:buFont typeface="Arial" panose="020B0604020202020204" pitchFamily="34" charset="0"/>
-              <a:buChar char="•"/>
-            </a:pPr>
-            <a:r>
-              <a:rPr lang="en-US" b="1" dirty="0">
-                <a:solidFill>
-                  <a:schemeClr val="bg1"/>
-                </a:solidFill>
-              </a:rPr>
-              <a:t>e.g. docker can be used to pull an image of Ubuntu. </a:t>
-            </a:r>
-          </a:p>
-          <a:p>
-            <a:pPr marL="285750" lvl="0" indent="-285750">
-              <a:buFont typeface="Arial" panose="020B0604020202020204" pitchFamily="34" charset="0"/>
-              <a:buChar char="•"/>
-            </a:pPr>
-            <a:r>
-              <a:rPr lang="en-US" b="1" dirty="0">
-                <a:solidFill>
-                  <a:schemeClr val="bg1"/>
-                </a:solidFill>
-              </a:rPr>
-              <a:t>This image can now be used to run multiple commands as an execution environment. </a:t>
-            </a:r>
-          </a:p>
-          <a:p>
-            <a:pPr marL="742950" lvl="1" indent="-285750">
               <a:buFont typeface="Arial" panose="020B0604020202020204" pitchFamily="34" charset="0"/>
               <a:buChar char="•"/>
             </a:pPr>
@@ -22296,8 +22624,8 @@
         </p:nvSpPr>
         <p:spPr>
           <a:xfrm>
-            <a:off x="902855" y="1644940"/>
-            <a:ext cx="10615808" cy="2585323"/>
+            <a:off x="838200" y="1476775"/>
+            <a:ext cx="10615808" cy="4801314"/>
           </a:xfrm>
           <a:prstGeom prst="rect">
             <a:avLst/>
@@ -22320,11 +22648,237 @@
                   <a:schemeClr val="bg1"/>
                 </a:solidFill>
               </a:rPr>
-              <a:t>Agent example</a:t>
-            </a:r>
-          </a:p>
-          <a:p>
-            <a:pPr marL="285750" lvl="0" indent="-285750">
+              <a:t>Ideally agent can be used with any of the following parameters.</a:t>
+            </a:r>
+          </a:p>
+          <a:p>
+            <a:pPr marL="285750" indent="-285750">
+              <a:buFont typeface="Arial" panose="020B0604020202020204" pitchFamily="34" charset="0"/>
+              <a:buChar char="•"/>
+            </a:pPr>
+            <a:r>
+              <a:rPr lang="en-US" b="1" dirty="0">
+                <a:solidFill>
+                  <a:schemeClr val="bg1"/>
+                </a:solidFill>
+              </a:rPr>
+              <a:t>Any: agent any</a:t>
+            </a:r>
+          </a:p>
+          <a:p>
+            <a:pPr marL="742950" lvl="1" indent="-285750">
+              <a:buFont typeface="Arial" panose="020B0604020202020204" pitchFamily="34" charset="0"/>
+              <a:buChar char="•"/>
+            </a:pPr>
+            <a:r>
+              <a:rPr lang="en-US" b="1" dirty="0">
+                <a:solidFill>
+                  <a:schemeClr val="bg1"/>
+                </a:solidFill>
+              </a:rPr>
+              <a:t>Runs stage pipeline on any available agent in Jenkins</a:t>
+            </a:r>
+          </a:p>
+          <a:p>
+            <a:pPr marL="285750" lvl="0" indent="-285750">
+              <a:buFont typeface="Arial" panose="020B0604020202020204" pitchFamily="34" charset="0"/>
+              <a:buChar char="•"/>
+            </a:pPr>
+            <a:r>
+              <a:rPr lang="en-US" b="1" dirty="0">
+                <a:solidFill>
+                  <a:schemeClr val="bg1"/>
+                </a:solidFill>
+              </a:rPr>
+              <a:t>None: agent none</a:t>
+            </a:r>
+          </a:p>
+          <a:p>
+            <a:pPr marL="742950" lvl="1" indent="-285750">
+              <a:buFont typeface="Arial" panose="020B0604020202020204" pitchFamily="34" charset="0"/>
+              <a:buChar char="•"/>
+            </a:pPr>
+            <a:r>
+              <a:rPr lang="en-US" b="1" dirty="0">
+                <a:solidFill>
+                  <a:schemeClr val="bg1"/>
+                </a:solidFill>
+              </a:rPr>
+              <a:t>If present, this parameter is added to the root of the pipeline. </a:t>
+            </a:r>
+          </a:p>
+          <a:p>
+            <a:pPr marL="742950" lvl="1" indent="-285750">
+              <a:buFont typeface="Arial" panose="020B0604020202020204" pitchFamily="34" charset="0"/>
+              <a:buChar char="•"/>
+            </a:pPr>
+            <a:r>
+              <a:rPr lang="en-US" b="1" dirty="0">
+                <a:solidFill>
+                  <a:schemeClr val="bg1"/>
+                </a:solidFill>
+              </a:rPr>
+              <a:t>There is no global agent for the entire pipeline</a:t>
+            </a:r>
+          </a:p>
+          <a:p>
+            <a:pPr marL="742950" lvl="1" indent="-285750">
+              <a:buFont typeface="Arial" panose="020B0604020202020204" pitchFamily="34" charset="0"/>
+              <a:buChar char="•"/>
+            </a:pPr>
+            <a:r>
+              <a:rPr lang="en-US" b="1" dirty="0">
+                <a:solidFill>
+                  <a:schemeClr val="bg1"/>
+                </a:solidFill>
+              </a:rPr>
+              <a:t>Each stage must define its own agent.</a:t>
+            </a:r>
+          </a:p>
+          <a:p>
+            <a:pPr marL="285750" lvl="0" indent="-285750">
+              <a:buFont typeface="Arial" panose="020B0604020202020204" pitchFamily="34" charset="0"/>
+              <a:buChar char="•"/>
+            </a:pPr>
+            <a:r>
+              <a:rPr lang="en-US" b="1" dirty="0">
+                <a:solidFill>
+                  <a:schemeClr val="bg1"/>
+                </a:solidFill>
+              </a:rPr>
+              <a:t>Label: agent {label ‘my label name for node’}</a:t>
+            </a:r>
+          </a:p>
+          <a:p>
+            <a:pPr marL="742950" lvl="1" indent="-285750">
+              <a:buFont typeface="Arial" panose="020B0604020202020204" pitchFamily="34" charset="0"/>
+              <a:buChar char="•"/>
+            </a:pPr>
+            <a:r>
+              <a:rPr lang="en-US" b="1" dirty="0">
+                <a:solidFill>
+                  <a:schemeClr val="bg1"/>
+                </a:solidFill>
+              </a:rPr>
+              <a:t>Performs on the labeled agent the pipeline/stage.</a:t>
+            </a:r>
+          </a:p>
+          <a:p>
+            <a:pPr marL="285750" lvl="0" indent="-285750">
+              <a:buFont typeface="Arial" panose="020B0604020202020204" pitchFamily="34" charset="0"/>
+              <a:buChar char="•"/>
+            </a:pPr>
+            <a:r>
+              <a:rPr lang="en-US" b="1" dirty="0">
+                <a:solidFill>
+                  <a:schemeClr val="bg1"/>
+                </a:solidFill>
+              </a:rPr>
+              <a:t>Node: agent {node{label ‘my label name’}}</a:t>
+            </a:r>
+          </a:p>
+          <a:p>
+            <a:pPr marL="742950" lvl="1" indent="-285750">
+              <a:buFont typeface="Arial" panose="020B0604020202020204" pitchFamily="34" charset="0"/>
+              <a:buChar char="•"/>
+            </a:pPr>
+            <a:r>
+              <a:rPr lang="en-US" b="1" dirty="0">
+                <a:solidFill>
+                  <a:schemeClr val="bg1"/>
+                </a:solidFill>
+              </a:rPr>
+              <a:t>Similar to label. </a:t>
+            </a:r>
+          </a:p>
+          <a:p>
+            <a:pPr marL="742950" lvl="1" indent="-285750">
+              <a:buFont typeface="Arial" panose="020B0604020202020204" pitchFamily="34" charset="0"/>
+              <a:buChar char="•"/>
+            </a:pPr>
+            <a:r>
+              <a:rPr lang="en-US" b="1" dirty="0">
+                <a:solidFill>
+                  <a:schemeClr val="bg1"/>
+                </a:solidFill>
+              </a:rPr>
+              <a:t>Gives option for custom workspace.</a:t>
+            </a:r>
+          </a:p>
+          <a:p>
+            <a:pPr marL="285750" lvl="0" indent="-285750">
+              <a:buFont typeface="Arial" panose="020B0604020202020204" pitchFamily="34" charset="0"/>
+              <a:buChar char="•"/>
+            </a:pPr>
+            <a:r>
+              <a:rPr lang="en-US" b="1" dirty="0">
+                <a:solidFill>
+                  <a:schemeClr val="bg1"/>
+                </a:solidFill>
+              </a:rPr>
+              <a:t>Docker: agent{ docker {image ‘ubuntu’ label ‘my label name’ </a:t>
+            </a:r>
+            <a:r>
+              <a:rPr lang="en-US" b="1" dirty="0" err="1">
+                <a:solidFill>
+                  <a:schemeClr val="bg1"/>
+                </a:solidFill>
+              </a:rPr>
+              <a:t>arg</a:t>
+            </a:r>
+            <a:r>
+              <a:rPr lang="en-US" b="1" dirty="0">
+                <a:solidFill>
+                  <a:schemeClr val="bg1"/>
+                </a:solidFill>
+              </a:rPr>
+              <a:t> ‘—port 3000:80’} } </a:t>
+            </a:r>
+          </a:p>
+          <a:p>
+            <a:pPr marL="742950" lvl="1" indent="-285750">
+              <a:buFont typeface="Arial" panose="020B0604020202020204" pitchFamily="34" charset="0"/>
+              <a:buChar char="•"/>
+            </a:pPr>
+            <a:r>
+              <a:rPr lang="en-US" b="1" dirty="0">
+                <a:solidFill>
+                  <a:schemeClr val="bg1"/>
+                </a:solidFill>
+              </a:rPr>
+              <a:t>Pipeline is executed on a docker container</a:t>
+            </a:r>
+          </a:p>
+          <a:p>
+            <a:pPr marL="742950" lvl="1" indent="-285750">
+              <a:buFont typeface="Arial" panose="020B0604020202020204" pitchFamily="34" charset="0"/>
+              <a:buChar char="•"/>
+            </a:pPr>
+            <a:r>
+              <a:rPr lang="en-US" b="1" dirty="0">
+                <a:solidFill>
+                  <a:schemeClr val="bg1"/>
+                </a:solidFill>
+              </a:rPr>
+              <a:t>e.g. docker can be used to pull an image of Ubuntu. </a:t>
+            </a:r>
+          </a:p>
+          <a:p>
+            <a:pPr marL="285750" lvl="0" indent="-285750">
+              <a:buFont typeface="Arial" panose="020B0604020202020204" pitchFamily="34" charset="0"/>
+              <a:buChar char="•"/>
+            </a:pPr>
+            <a:r>
+              <a:rPr lang="en-US" b="1" dirty="0">
+                <a:solidFill>
+                  <a:schemeClr val="bg1"/>
+                </a:solidFill>
+              </a:rPr>
+              <a:t>This image can now be used to run multiple commands as an execution environment. </a:t>
+            </a:r>
+          </a:p>
+          <a:p>
+            <a:pPr marL="742950" lvl="1" indent="-285750">
               <a:buFont typeface="Arial" panose="020B0604020202020204" pitchFamily="34" charset="0"/>
               <a:buChar char="•"/>
             </a:pPr>
@@ -22334,110 +22888,12 @@
               </a:solidFill>
             </a:endParaRPr>
           </a:p>
-          <a:p>
-            <a:pPr marL="285750" lvl="0" indent="-285750">
-              <a:buFont typeface="Arial" panose="020B0604020202020204" pitchFamily="34" charset="0"/>
-              <a:buChar char="•"/>
-            </a:pPr>
-            <a:r>
-              <a:rPr lang="en-US" b="1" dirty="0">
-                <a:solidFill>
-                  <a:schemeClr val="bg1"/>
-                </a:solidFill>
-              </a:rPr>
-              <a:t>pipeline { </a:t>
-            </a:r>
-          </a:p>
-          <a:p>
-            <a:pPr marL="285750" lvl="0" indent="-285750">
-              <a:buFont typeface="Arial" panose="020B0604020202020204" pitchFamily="34" charset="0"/>
-              <a:buChar char="•"/>
-            </a:pPr>
-            <a:r>
-              <a:rPr lang="en-US" b="1" dirty="0">
-                <a:solidFill>
-                  <a:schemeClr val="bg1"/>
-                </a:solidFill>
-              </a:rPr>
-              <a:t>    agent { </a:t>
-            </a:r>
-          </a:p>
-          <a:p>
-            <a:pPr marL="285750" lvl="0" indent="-285750">
-              <a:buFont typeface="Arial" panose="020B0604020202020204" pitchFamily="34" charset="0"/>
-              <a:buChar char="•"/>
-            </a:pPr>
-            <a:r>
-              <a:rPr lang="en-US" b="1" dirty="0">
-                <a:solidFill>
-                  <a:schemeClr val="bg1"/>
-                </a:solidFill>
-              </a:rPr>
-              <a:t>        docker { </a:t>
-            </a:r>
-          </a:p>
-          <a:p>
-            <a:pPr marL="285750" lvl="0" indent="-285750">
-              <a:buFont typeface="Arial" panose="020B0604020202020204" pitchFamily="34" charset="0"/>
-              <a:buChar char="•"/>
-            </a:pPr>
-            <a:r>
-              <a:rPr lang="en-US" b="1" dirty="0">
-                <a:solidFill>
-                  <a:schemeClr val="bg1"/>
-                </a:solidFill>
-              </a:rPr>
-              <a:t>            image  centos'</a:t>
-            </a:r>
-          </a:p>
-          <a:p>
-            <a:pPr marL="285750" lvl="0" indent="-285750">
-              <a:buFont typeface="Arial" panose="020B0604020202020204" pitchFamily="34" charset="0"/>
-              <a:buChar char="•"/>
-            </a:pPr>
-            <a:r>
-              <a:rPr lang="en-US" b="1" dirty="0">
-                <a:solidFill>
-                  <a:schemeClr val="bg1"/>
-                </a:solidFill>
-              </a:rPr>
-              <a:t>               }</a:t>
-            </a:r>
-          </a:p>
-          <a:p>
-            <a:pPr marL="285750" lvl="0" indent="-285750">
-              <a:buFont typeface="Arial" panose="020B0604020202020204" pitchFamily="34" charset="0"/>
-              <a:buChar char="•"/>
-            </a:pPr>
-            <a:r>
-              <a:rPr lang="en-US" b="1" dirty="0">
-                <a:solidFill>
-                  <a:schemeClr val="bg1"/>
-                </a:solidFill>
-              </a:rPr>
-              <a:t>          }</a:t>
-            </a:r>
-          </a:p>
-          <a:p>
-            <a:pPr marL="285750" lvl="0" indent="-285750">
-              <a:buFont typeface="Arial" panose="020B0604020202020204" pitchFamily="34" charset="0"/>
-              <a:buChar char="•"/>
-            </a:pPr>
-            <a:r>
-              <a:rPr lang="en-US" b="1" dirty="0">
-                <a:solidFill>
-                  <a:schemeClr val="bg1"/>
-                </a:solidFill>
-              </a:rPr>
-              <a:t>         }</a:t>
-            </a:r>
-          </a:p>
         </p:txBody>
       </p:sp>
     </p:spTree>
     <p:extLst>
       <p:ext uri="{BB962C8B-B14F-4D97-AF65-F5344CB8AC3E}">
-        <p14:creationId xmlns:p14="http://schemas.microsoft.com/office/powerpoint/2010/main" val="2600193919"/>
+        <p14:creationId xmlns:p14="http://schemas.microsoft.com/office/powerpoint/2010/main" val="2734601277"/>
       </p:ext>
     </p:extLst>
   </p:cSld>
@@ -22508,7 +22964,7 @@
                 </a:solidFill>
                 <a:latin typeface="+mn-lt"/>
               </a:rPr>
-              <a:t>Stages</a:t>
+              <a:t>Pipelines - Agents</a:t>
             </a:r>
           </a:p>
         </p:txBody>
@@ -22528,7 +22984,7 @@
         <p:spPr>
           <a:xfrm>
             <a:off x="902855" y="1644940"/>
-            <a:ext cx="10615808" cy="5355312"/>
+            <a:ext cx="10615808" cy="2585323"/>
           </a:xfrm>
           <a:prstGeom prst="rect">
             <a:avLst/>
@@ -22551,50 +23007,19 @@
                   <a:schemeClr val="bg1"/>
                 </a:solidFill>
               </a:rPr>
-              <a:t>Defines the actual work that needs to be completed. </a:t>
-            </a:r>
-          </a:p>
-          <a:p>
-            <a:pPr marL="285750" lvl="0" indent="-285750">
-              <a:buFont typeface="Arial" panose="020B0604020202020204" pitchFamily="34" charset="0"/>
-              <a:buChar char="•"/>
-            </a:pPr>
-            <a:r>
-              <a:rPr lang="en-US" b="1" dirty="0">
-                <a:solidFill>
-                  <a:schemeClr val="bg1"/>
-                </a:solidFill>
-              </a:rPr>
-              <a:t>The work is defined in the form of stages. </a:t>
-            </a:r>
-          </a:p>
-          <a:p>
-            <a:pPr marL="285750" lvl="0" indent="-285750">
-              <a:buFont typeface="Arial" panose="020B0604020202020204" pitchFamily="34" charset="0"/>
-              <a:buChar char="•"/>
-            </a:pPr>
-            <a:r>
-              <a:rPr lang="en-US" b="1" dirty="0">
-                <a:solidFill>
-                  <a:schemeClr val="bg1"/>
-                </a:solidFill>
-              </a:rPr>
-              <a:t>There can be multiple levels inside this. </a:t>
-            </a:r>
-          </a:p>
-          <a:p>
-            <a:pPr marL="285750" lvl="0" indent="-285750">
-              <a:buFont typeface="Arial" panose="020B0604020202020204" pitchFamily="34" charset="0"/>
-              <a:buChar char="•"/>
-            </a:pPr>
-            <a:r>
-              <a:rPr lang="en-US" b="1" dirty="0">
-                <a:solidFill>
-                  <a:schemeClr val="bg1"/>
-                </a:solidFill>
-              </a:rPr>
-              <a:t>Each stage executes a particular task.</a:t>
-            </a:r>
+              <a:t>Agent example</a:t>
+            </a:r>
+          </a:p>
+          <a:p>
+            <a:pPr marL="285750" lvl="0" indent="-285750">
+              <a:buFont typeface="Arial" panose="020B0604020202020204" pitchFamily="34" charset="0"/>
+              <a:buChar char="•"/>
+            </a:pPr>
+            <a:endParaRPr lang="en-US" b="1" dirty="0">
+              <a:solidFill>
+                <a:schemeClr val="bg1"/>
+              </a:solidFill>
+            </a:endParaRPr>
           </a:p>
           <a:p>
             <a:pPr marL="285750" lvl="0" indent="-285750">
@@ -22621,189 +23046,77 @@
                   <a:schemeClr val="bg1"/>
                 </a:solidFill>
               </a:rPr>
-              <a:t>agent any </a:t>
-            </a:r>
-          </a:p>
-          <a:p>
-            <a:pPr marL="285750" lvl="0" indent="-285750">
-              <a:buFont typeface="Arial" panose="020B0604020202020204" pitchFamily="34" charset="0"/>
-              <a:buChar char="•"/>
-            </a:pPr>
-            <a:r>
-              <a:rPr lang="en-US" b="1" dirty="0">
-                <a:solidFill>
-                  <a:schemeClr val="bg1"/>
-                </a:solidFill>
-              </a:rPr>
-              <a:t>    stages { </a:t>
-            </a:r>
-          </a:p>
-          <a:p>
-            <a:pPr marL="285750" lvl="0" indent="-285750">
-              <a:buFont typeface="Arial" panose="020B0604020202020204" pitchFamily="34" charset="0"/>
-              <a:buChar char="•"/>
-            </a:pPr>
-            <a:r>
-              <a:rPr lang="en-US" b="1" dirty="0">
-                <a:solidFill>
-                  <a:schemeClr val="bg1"/>
-                </a:solidFill>
-              </a:rPr>
-              <a:t>        stage (‘Pull') { </a:t>
-            </a:r>
-          </a:p>
-          <a:p>
-            <a:pPr marL="285750" lvl="0" indent="-285750">
-              <a:buFont typeface="Arial" panose="020B0604020202020204" pitchFamily="34" charset="0"/>
-              <a:buChar char="•"/>
-            </a:pPr>
-            <a:r>
-              <a:rPr lang="en-US" b="1" dirty="0">
-                <a:solidFill>
-                  <a:schemeClr val="bg1"/>
-                </a:solidFill>
-              </a:rPr>
-              <a:t>        }</a:t>
-            </a:r>
-          </a:p>
-          <a:p>
-            <a:pPr marL="285750" lvl="0" indent="-285750">
-              <a:buFont typeface="Arial" panose="020B0604020202020204" pitchFamily="34" charset="0"/>
-              <a:buChar char="•"/>
-            </a:pPr>
-            <a:r>
-              <a:rPr lang="en-US" b="1" dirty="0">
-                <a:solidFill>
-                  <a:schemeClr val="bg1"/>
-                </a:solidFill>
-              </a:rPr>
-              <a:t>        stage (‘Build') { </a:t>
-            </a:r>
-          </a:p>
-          <a:p>
-            <a:pPr marL="285750" lvl="0" indent="-285750">
-              <a:buFont typeface="Arial" panose="020B0604020202020204" pitchFamily="34" charset="0"/>
-              <a:buChar char="•"/>
-            </a:pPr>
-            <a:r>
-              <a:rPr lang="en-US" b="1" dirty="0">
-                <a:solidFill>
-                  <a:schemeClr val="bg1"/>
-                </a:solidFill>
-              </a:rPr>
-              <a:t>        }</a:t>
-            </a:r>
-          </a:p>
-          <a:p>
-            <a:pPr marL="285750" lvl="0" indent="-285750">
-              <a:buFont typeface="Arial" panose="020B0604020202020204" pitchFamily="34" charset="0"/>
-              <a:buChar char="•"/>
-            </a:pPr>
-            <a:r>
-              <a:rPr lang="en-US" b="1" dirty="0">
-                <a:solidFill>
-                  <a:schemeClr val="bg1"/>
-                </a:solidFill>
-              </a:rPr>
-              <a:t>        stage (‘Test') { </a:t>
-            </a:r>
-          </a:p>
-          <a:p>
-            <a:pPr marL="285750" lvl="0" indent="-285750">
-              <a:buFont typeface="Arial" panose="020B0604020202020204" pitchFamily="34" charset="0"/>
-              <a:buChar char="•"/>
-            </a:pPr>
-            <a:r>
-              <a:rPr lang="en-US" b="1" dirty="0">
-                <a:solidFill>
-                  <a:schemeClr val="bg1"/>
-                </a:solidFill>
-              </a:rPr>
-              <a:t>        }</a:t>
-            </a:r>
-          </a:p>
-          <a:p>
-            <a:pPr marL="285750" lvl="0" indent="-285750">
-              <a:buFont typeface="Arial" panose="020B0604020202020204" pitchFamily="34" charset="0"/>
-              <a:buChar char="•"/>
-            </a:pPr>
-            <a:r>
-              <a:rPr lang="en-US" b="1" dirty="0">
-                <a:solidFill>
-                  <a:schemeClr val="bg1"/>
-                </a:solidFill>
-              </a:rPr>
-              <a:t>        stage (‘Integrate') { </a:t>
-            </a:r>
-          </a:p>
-          <a:p>
-            <a:pPr marL="285750" lvl="0" indent="-285750">
-              <a:buFont typeface="Arial" panose="020B0604020202020204" pitchFamily="34" charset="0"/>
-              <a:buChar char="•"/>
-            </a:pPr>
-            <a:r>
-              <a:rPr lang="en-US" b="1" dirty="0">
-                <a:solidFill>
-                  <a:schemeClr val="bg1"/>
-                </a:solidFill>
-              </a:rPr>
-              <a:t>        }</a:t>
-            </a:r>
-          </a:p>
-          <a:p>
-            <a:pPr marL="285750" lvl="0" indent="-285750">
-              <a:buFont typeface="Arial" panose="020B0604020202020204" pitchFamily="34" charset="0"/>
-              <a:buChar char="•"/>
-            </a:pPr>
-            <a:r>
-              <a:rPr lang="en-US" b="1" dirty="0">
-                <a:solidFill>
-                  <a:schemeClr val="bg1"/>
-                </a:solidFill>
-              </a:rPr>
-              <a:t>        stage (Deploy') { </a:t>
-            </a:r>
-          </a:p>
-          <a:p>
-            <a:pPr marL="285750" lvl="0" indent="-285750">
-              <a:buFont typeface="Arial" panose="020B0604020202020204" pitchFamily="34" charset="0"/>
-              <a:buChar char="•"/>
-            </a:pPr>
-            <a:r>
-              <a:rPr lang="en-US" b="1" dirty="0">
-                <a:solidFill>
-                  <a:schemeClr val="bg1"/>
-                </a:solidFill>
-              </a:rPr>
-              <a:t>        }</a:t>
-            </a:r>
-          </a:p>
-          <a:p>
-            <a:pPr marL="285750" lvl="0" indent="-285750">
-              <a:buFont typeface="Arial" panose="020B0604020202020204" pitchFamily="34" charset="0"/>
-              <a:buChar char="•"/>
-            </a:pPr>
-            <a:r>
-              <a:rPr lang="en-US" b="1" dirty="0">
-                <a:solidFill>
-                  <a:schemeClr val="bg1"/>
-                </a:solidFill>
-              </a:rPr>
-              <a:t>   }           </a:t>
-            </a:r>
-          </a:p>
-          <a:p>
-            <a:pPr marL="285750" lvl="0" indent="-285750">
-              <a:buFont typeface="Arial" panose="020B0604020202020204" pitchFamily="34" charset="0"/>
-              <a:buChar char="•"/>
-            </a:pPr>
-            <a:r>
-              <a:rPr lang="en-US" b="1" dirty="0">
-                <a:solidFill>
-                  <a:schemeClr val="bg1"/>
-                </a:solidFill>
-              </a:rPr>
-              <a:t>}</a:t>
+              <a:t>    agent { </a:t>
+            </a:r>
+          </a:p>
+          <a:p>
+            <a:pPr marL="285750" lvl="0" indent="-285750">
+              <a:buFont typeface="Arial" panose="020B0604020202020204" pitchFamily="34" charset="0"/>
+              <a:buChar char="•"/>
+            </a:pPr>
+            <a:r>
+              <a:rPr lang="en-US" b="1" dirty="0">
+                <a:solidFill>
+                  <a:schemeClr val="bg1"/>
+                </a:solidFill>
+              </a:rPr>
+              <a:t>        docker { </a:t>
+            </a:r>
+          </a:p>
+          <a:p>
+            <a:pPr marL="285750" lvl="0" indent="-285750">
+              <a:buFont typeface="Arial" panose="020B0604020202020204" pitchFamily="34" charset="0"/>
+              <a:buChar char="•"/>
+            </a:pPr>
+            <a:r>
+              <a:rPr lang="en-US" b="1" dirty="0">
+                <a:solidFill>
+                  <a:schemeClr val="bg1"/>
+                </a:solidFill>
+              </a:rPr>
+              <a:t>            image  centos'</a:t>
+            </a:r>
+          </a:p>
+          <a:p>
+            <a:pPr marL="285750" lvl="0" indent="-285750">
+              <a:buFont typeface="Arial" panose="020B0604020202020204" pitchFamily="34" charset="0"/>
+              <a:buChar char="•"/>
+            </a:pPr>
+            <a:r>
+              <a:rPr lang="en-US" b="1" dirty="0">
+                <a:solidFill>
+                  <a:schemeClr val="bg1"/>
+                </a:solidFill>
+              </a:rPr>
+              <a:t>               }</a:t>
+            </a:r>
+          </a:p>
+          <a:p>
+            <a:pPr marL="285750" lvl="0" indent="-285750">
+              <a:buFont typeface="Arial" panose="020B0604020202020204" pitchFamily="34" charset="0"/>
+              <a:buChar char="•"/>
+            </a:pPr>
+            <a:r>
+              <a:rPr lang="en-US" b="1" dirty="0">
+                <a:solidFill>
+                  <a:schemeClr val="bg1"/>
+                </a:solidFill>
+              </a:rPr>
+              <a:t>          }</a:t>
+            </a:r>
+          </a:p>
+          <a:p>
+            <a:pPr marL="285750" lvl="0" indent="-285750">
+              <a:buFont typeface="Arial" panose="020B0604020202020204" pitchFamily="34" charset="0"/>
+              <a:buChar char="•"/>
+            </a:pPr>
+            <a:r>
+              <a:rPr lang="en-US" b="1" dirty="0">
+                <a:solidFill>
+                  <a:schemeClr val="bg1"/>
+                </a:solidFill>
+              </a:rPr>
+              <a:t>         }</a:t>
             </a:r>
           </a:p>
         </p:txBody>
@@ -22811,7 +23124,7 @@
     </p:spTree>
     <p:extLst>
       <p:ext uri="{BB962C8B-B14F-4D97-AF65-F5344CB8AC3E}">
-        <p14:creationId xmlns:p14="http://schemas.microsoft.com/office/powerpoint/2010/main" val="3072123217"/>
+        <p14:creationId xmlns:p14="http://schemas.microsoft.com/office/powerpoint/2010/main" val="2600193919"/>
       </p:ext>
     </p:extLst>
   </p:cSld>
@@ -22882,7 +23195,7 @@
                 </a:solidFill>
                 <a:latin typeface="+mn-lt"/>
               </a:rPr>
-              <a:t>Steps</a:t>
+              <a:t>Stages</a:t>
             </a:r>
           </a:p>
         </p:txBody>
@@ -22902,7 +23215,7 @@
         <p:spPr>
           <a:xfrm>
             <a:off x="902855" y="1644940"/>
-            <a:ext cx="10615808" cy="4524315"/>
+            <a:ext cx="10615808" cy="5355312"/>
           </a:xfrm>
           <a:prstGeom prst="rect">
             <a:avLst/>
@@ -22925,75 +23238,50 @@
                   <a:schemeClr val="bg1"/>
                 </a:solidFill>
               </a:rPr>
-              <a:t>Within a stage block, </a:t>
-            </a:r>
-          </a:p>
-          <a:p>
-            <a:pPr marL="742950" lvl="1" indent="-285750">
-              <a:buFont typeface="Arial" panose="020B0604020202020204" pitchFamily="34" charset="0"/>
-              <a:buChar char="•"/>
-            </a:pPr>
-            <a:r>
-              <a:rPr lang="en-US" b="1" dirty="0">
-                <a:solidFill>
-                  <a:schemeClr val="bg1"/>
-                </a:solidFill>
-              </a:rPr>
-              <a:t>pipeline can be described as a series of steps. </a:t>
-            </a:r>
-          </a:p>
-          <a:p>
-            <a:pPr marL="742950" lvl="1" indent="-285750">
-              <a:buFont typeface="Arial" panose="020B0604020202020204" pitchFamily="34" charset="0"/>
-              <a:buChar char="•"/>
-            </a:pPr>
-            <a:r>
-              <a:rPr lang="en-US" b="1" dirty="0">
-                <a:solidFill>
-                  <a:schemeClr val="bg1"/>
-                </a:solidFill>
-              </a:rPr>
-              <a:t>Such steps are performed in sequence for the execution of a level. </a:t>
-            </a:r>
-          </a:p>
-          <a:p>
-            <a:pPr marL="742950" lvl="1" indent="-285750">
-              <a:buFont typeface="Arial" panose="020B0604020202020204" pitchFamily="34" charset="0"/>
-              <a:buChar char="•"/>
-            </a:pPr>
-            <a:r>
-              <a:rPr lang="en-US" b="1" dirty="0">
-                <a:solidFill>
-                  <a:schemeClr val="bg1"/>
-                </a:solidFill>
-              </a:rPr>
-              <a:t>Within a Steps guideline</a:t>
-            </a:r>
-          </a:p>
-          <a:p>
-            <a:pPr marL="1200150" lvl="2" indent="-285750">
-              <a:buFont typeface="Arial" panose="020B0604020202020204" pitchFamily="34" charset="0"/>
-              <a:buChar char="•"/>
-            </a:pPr>
-            <a:r>
-              <a:rPr lang="en-US" b="1" dirty="0">
-                <a:solidFill>
-                  <a:schemeClr val="bg1"/>
-                </a:solidFill>
-              </a:rPr>
-              <a:t>there must be at least one step.</a:t>
-            </a:r>
-          </a:p>
-          <a:p>
-            <a:pPr marL="285750" lvl="0" indent="-285750">
-              <a:buFont typeface="Arial" panose="020B0604020202020204" pitchFamily="34" charset="0"/>
-              <a:buChar char="•"/>
-            </a:pPr>
-            <a:endParaRPr lang="en-US" b="1" dirty="0">
-              <a:solidFill>
-                <a:schemeClr val="bg1"/>
-              </a:solidFill>
-            </a:endParaRPr>
+              <a:t>Defines the actual work that needs to be completed. </a:t>
+            </a:r>
+          </a:p>
+          <a:p>
+            <a:pPr marL="285750" lvl="0" indent="-285750">
+              <a:buFont typeface="Arial" panose="020B0604020202020204" pitchFamily="34" charset="0"/>
+              <a:buChar char="•"/>
+            </a:pPr>
+            <a:r>
+              <a:rPr lang="en-US" b="1" dirty="0">
+                <a:solidFill>
+                  <a:schemeClr val="bg1"/>
+                </a:solidFill>
+              </a:rPr>
+              <a:t>The work is defined in the form of stages. </a:t>
+            </a:r>
+          </a:p>
+          <a:p>
+            <a:pPr marL="285750" lvl="0" indent="-285750">
+              <a:buFont typeface="Arial" panose="020B0604020202020204" pitchFamily="34" charset="0"/>
+              <a:buChar char="•"/>
+            </a:pPr>
+            <a:r>
+              <a:rPr lang="en-US" b="1" dirty="0">
+                <a:solidFill>
+                  <a:schemeClr val="bg1"/>
+                </a:solidFill>
+              </a:rPr>
+              <a:t>There can be multiple levels inside this. </a:t>
+            </a:r>
+          </a:p>
+          <a:p>
+            <a:pPr marL="285750" lvl="0" indent="-285750">
+              <a:buFont typeface="Arial" panose="020B0604020202020204" pitchFamily="34" charset="0"/>
+              <a:buChar char="•"/>
+            </a:pPr>
+            <a:r>
+              <a:rPr lang="en-US" b="1" dirty="0">
+                <a:solidFill>
+                  <a:schemeClr val="bg1"/>
+                </a:solidFill>
+              </a:rPr>
+              <a:t>Each stage executes a particular task.</a:t>
+            </a:r>
           </a:p>
           <a:p>
             <a:pPr marL="285750" lvl="0" indent="-285750">
@@ -23020,91 +23308,35 @@
                   <a:schemeClr val="bg1"/>
                 </a:solidFill>
               </a:rPr>
-              <a:t>    agent any </a:t>
-            </a:r>
-          </a:p>
-          <a:p>
-            <a:pPr marL="285750" lvl="0" indent="-285750">
-              <a:buFont typeface="Arial" panose="020B0604020202020204" pitchFamily="34" charset="0"/>
-              <a:buChar char="•"/>
-            </a:pPr>
-            <a:r>
-              <a:rPr lang="en-US" b="1" dirty="0">
-                <a:solidFill>
-                  <a:schemeClr val="bg1"/>
-                </a:solidFill>
-              </a:rPr>
-              <a:t>        stages { </a:t>
-            </a:r>
-          </a:p>
-          <a:p>
-            <a:pPr marL="285750" lvl="0" indent="-285750">
-              <a:buFont typeface="Arial" panose="020B0604020202020204" pitchFamily="34" charset="0"/>
-              <a:buChar char="•"/>
-            </a:pPr>
-            <a:r>
-              <a:rPr lang="en-US" b="1" dirty="0">
-                <a:solidFill>
-                  <a:schemeClr val="bg1"/>
-                </a:solidFill>
-              </a:rPr>
-              <a:t>            stage ('Build') { </a:t>
-            </a:r>
-          </a:p>
-          <a:p>
-            <a:pPr marL="285750" lvl="0" indent="-285750">
-              <a:buFont typeface="Arial" panose="020B0604020202020204" pitchFamily="34" charset="0"/>
-              <a:buChar char="•"/>
-            </a:pPr>
-            <a:r>
-              <a:rPr lang="en-US" b="1" dirty="0">
-                <a:solidFill>
-                  <a:schemeClr val="bg1"/>
-                </a:solidFill>
-              </a:rPr>
-              <a:t>                steps { </a:t>
-            </a:r>
-          </a:p>
-          <a:p>
-            <a:pPr marL="285750" lvl="0" indent="-285750">
-              <a:buFont typeface="Arial" panose="020B0604020202020204" pitchFamily="34" charset="0"/>
-              <a:buChar char="•"/>
-            </a:pPr>
-            <a:r>
-              <a:rPr lang="en-US" b="1" dirty="0">
-                <a:solidFill>
-                  <a:schemeClr val="bg1"/>
-                </a:solidFill>
-              </a:rPr>
-              <a:t>                    echo  'Running build phase. ' </a:t>
-            </a:r>
-          </a:p>
-          <a:p>
-            <a:pPr marL="285750" lvl="0" indent="-285750">
-              <a:buFont typeface="Arial" panose="020B0604020202020204" pitchFamily="34" charset="0"/>
-              <a:buChar char="•"/>
-            </a:pPr>
-            <a:r>
-              <a:rPr lang="en-US" b="1" dirty="0">
-                <a:solidFill>
-                  <a:schemeClr val="bg1"/>
-                </a:solidFill>
-              </a:rPr>
-              <a:t>                }</a:t>
-            </a:r>
-          </a:p>
-          <a:p>
-            <a:pPr marL="285750" lvl="0" indent="-285750">
-              <a:buFont typeface="Arial" panose="020B0604020202020204" pitchFamily="34" charset="0"/>
-              <a:buChar char="•"/>
-            </a:pPr>
-            <a:r>
-              <a:rPr lang="en-US" b="1" dirty="0">
-                <a:solidFill>
-                  <a:schemeClr val="bg1"/>
-                </a:solidFill>
-              </a:rPr>
-              <a:t>            }</a:t>
+              <a:t>agent any </a:t>
+            </a:r>
+          </a:p>
+          <a:p>
+            <a:pPr marL="285750" lvl="0" indent="-285750">
+              <a:buFont typeface="Arial" panose="020B0604020202020204" pitchFamily="34" charset="0"/>
+              <a:buChar char="•"/>
+            </a:pPr>
+            <a:r>
+              <a:rPr lang="en-US" b="1" dirty="0">
+                <a:solidFill>
+                  <a:schemeClr val="bg1"/>
+                </a:solidFill>
+              </a:rPr>
+              <a:t>    stages { </a:t>
+            </a:r>
+          </a:p>
+          <a:p>
+            <a:pPr marL="285750" lvl="0" indent="-285750">
+              <a:buFont typeface="Arial" panose="020B0604020202020204" pitchFamily="34" charset="0"/>
+              <a:buChar char="•"/>
+            </a:pPr>
+            <a:r>
+              <a:rPr lang="en-US" b="1" dirty="0">
+                <a:solidFill>
+                  <a:schemeClr val="bg1"/>
+                </a:solidFill>
+              </a:rPr>
+              <a:t>        stage (‘Pull') { </a:t>
             </a:r>
           </a:p>
           <a:p>
@@ -23132,7 +23364,133 @@
                   <a:schemeClr val="bg1"/>
                 </a:solidFill>
               </a:rPr>
-              <a:t>    }</a:t>
+              <a:t>        stage (‘Build') { </a:t>
+            </a:r>
+          </a:p>
+          <a:p>
+            <a:pPr marL="285750" lvl="0" indent="-285750">
+              <a:buFont typeface="Arial" panose="020B0604020202020204" pitchFamily="34" charset="0"/>
+              <a:buChar char="•"/>
+            </a:pPr>
+            <a:r>
+              <a:rPr lang="en-US" b="1" dirty="0">
+                <a:solidFill>
+                  <a:schemeClr val="bg1"/>
+                </a:solidFill>
+              </a:rPr>
+              <a:t>        }</a:t>
+            </a:r>
+          </a:p>
+          <a:p>
+            <a:pPr marL="285750" lvl="0" indent="-285750">
+              <a:buFont typeface="Arial" panose="020B0604020202020204" pitchFamily="34" charset="0"/>
+              <a:buChar char="•"/>
+            </a:pPr>
+            <a:r>
+              <a:rPr lang="en-US" b="1" dirty="0">
+                <a:solidFill>
+                  <a:schemeClr val="bg1"/>
+                </a:solidFill>
+              </a:rPr>
+              <a:t>        stage (‘Test') { </a:t>
+            </a:r>
+          </a:p>
+          <a:p>
+            <a:pPr marL="285750" lvl="0" indent="-285750">
+              <a:buFont typeface="Arial" panose="020B0604020202020204" pitchFamily="34" charset="0"/>
+              <a:buChar char="•"/>
+            </a:pPr>
+            <a:r>
+              <a:rPr lang="en-US" b="1" dirty="0">
+                <a:solidFill>
+                  <a:schemeClr val="bg1"/>
+                </a:solidFill>
+              </a:rPr>
+              <a:t>        }</a:t>
+            </a:r>
+          </a:p>
+          <a:p>
+            <a:pPr marL="285750" lvl="0" indent="-285750">
+              <a:buFont typeface="Arial" panose="020B0604020202020204" pitchFamily="34" charset="0"/>
+              <a:buChar char="•"/>
+            </a:pPr>
+            <a:r>
+              <a:rPr lang="en-US" b="1" dirty="0">
+                <a:solidFill>
+                  <a:schemeClr val="bg1"/>
+                </a:solidFill>
+              </a:rPr>
+              <a:t>        stage (‘Integrate') { </a:t>
+            </a:r>
+          </a:p>
+          <a:p>
+            <a:pPr marL="285750" lvl="0" indent="-285750">
+              <a:buFont typeface="Arial" panose="020B0604020202020204" pitchFamily="34" charset="0"/>
+              <a:buChar char="•"/>
+            </a:pPr>
+            <a:r>
+              <a:rPr lang="en-US" b="1" dirty="0">
+                <a:solidFill>
+                  <a:schemeClr val="bg1"/>
+                </a:solidFill>
+              </a:rPr>
+              <a:t>        }</a:t>
+            </a:r>
+          </a:p>
+          <a:p>
+            <a:pPr marL="285750" lvl="0" indent="-285750">
+              <a:buFont typeface="Arial" panose="020B0604020202020204" pitchFamily="34" charset="0"/>
+              <a:buChar char="•"/>
+            </a:pPr>
+            <a:r>
+              <a:rPr lang="en-US" b="1" dirty="0">
+                <a:solidFill>
+                  <a:schemeClr val="bg1"/>
+                </a:solidFill>
+              </a:rPr>
+              <a:t>        stage (Deploy') { </a:t>
+            </a:r>
+          </a:p>
+          <a:p>
+            <a:pPr marL="285750" lvl="0" indent="-285750">
+              <a:buFont typeface="Arial" panose="020B0604020202020204" pitchFamily="34" charset="0"/>
+              <a:buChar char="•"/>
+            </a:pPr>
+            <a:r>
+              <a:rPr lang="en-US" b="1" dirty="0">
+                <a:solidFill>
+                  <a:schemeClr val="bg1"/>
+                </a:solidFill>
+              </a:rPr>
+              <a:t>        }</a:t>
+            </a:r>
+          </a:p>
+          <a:p>
+            <a:pPr marL="285750" lvl="0" indent="-285750">
+              <a:buFont typeface="Arial" panose="020B0604020202020204" pitchFamily="34" charset="0"/>
+              <a:buChar char="•"/>
+            </a:pPr>
+            <a:r>
+              <a:rPr lang="en-US" b="1" dirty="0">
+                <a:solidFill>
+                  <a:schemeClr val="bg1"/>
+                </a:solidFill>
+              </a:rPr>
+              <a:t>   }           </a:t>
+            </a:r>
+          </a:p>
+          <a:p>
+            <a:pPr marL="285750" lvl="0" indent="-285750">
+              <a:buFont typeface="Arial" panose="020B0604020202020204" pitchFamily="34" charset="0"/>
+              <a:buChar char="•"/>
+            </a:pPr>
+            <a:r>
+              <a:rPr lang="en-US" b="1" dirty="0">
+                <a:solidFill>
+                  <a:schemeClr val="bg1"/>
+                </a:solidFill>
+              </a:rPr>
+              <a:t>}</a:t>
             </a:r>
           </a:p>
         </p:txBody>
@@ -23140,7 +23498,7 @@
     </p:spTree>
     <p:extLst>
       <p:ext uri="{BB962C8B-B14F-4D97-AF65-F5344CB8AC3E}">
-        <p14:creationId xmlns:p14="http://schemas.microsoft.com/office/powerpoint/2010/main" val="446043649"/>
+        <p14:creationId xmlns:p14="http://schemas.microsoft.com/office/powerpoint/2010/main" val="3072123217"/>
       </p:ext>
     </p:extLst>
   </p:cSld>
@@ -23564,7 +23922,7 @@
                 </a:solidFill>
                 <a:latin typeface="+mn-lt"/>
               </a:rPr>
-              <a:t>Pipelines - Agents</a:t>
+              <a:t>Steps</a:t>
             </a:r>
           </a:p>
         </p:txBody>
@@ -23584,7 +23942,7 @@
         <p:spPr>
           <a:xfrm>
             <a:off x="902855" y="1644940"/>
-            <a:ext cx="10615808" cy="2585323"/>
+            <a:ext cx="10615808" cy="4524315"/>
           </a:xfrm>
           <a:prstGeom prst="rect">
             <a:avLst/>
@@ -23607,7 +23965,63 @@
                   <a:schemeClr val="bg1"/>
                 </a:solidFill>
               </a:rPr>
-              <a:t>Agent example</a:t>
+              <a:t>Within a stage block, </a:t>
+            </a:r>
+          </a:p>
+          <a:p>
+            <a:pPr marL="742950" lvl="1" indent="-285750">
+              <a:buFont typeface="Arial" panose="020B0604020202020204" pitchFamily="34" charset="0"/>
+              <a:buChar char="•"/>
+            </a:pPr>
+            <a:r>
+              <a:rPr lang="en-US" b="1" dirty="0">
+                <a:solidFill>
+                  <a:schemeClr val="bg1"/>
+                </a:solidFill>
+              </a:rPr>
+              <a:t>pipeline can be described as a series of steps. </a:t>
+            </a:r>
+          </a:p>
+          <a:p>
+            <a:pPr marL="742950" lvl="1" indent="-285750">
+              <a:buFont typeface="Arial" panose="020B0604020202020204" pitchFamily="34" charset="0"/>
+              <a:buChar char="•"/>
+            </a:pPr>
+            <a:r>
+              <a:rPr lang="en-US" b="1" dirty="0">
+                <a:solidFill>
+                  <a:schemeClr val="bg1"/>
+                </a:solidFill>
+              </a:rPr>
+              <a:t>Such steps are performed in sequence for the execution of a level. </a:t>
+            </a:r>
+          </a:p>
+          <a:p>
+            <a:pPr marL="742950" lvl="1" indent="-285750">
+              <a:buFont typeface="Arial" panose="020B0604020202020204" pitchFamily="34" charset="0"/>
+              <a:buChar char="•"/>
+            </a:pPr>
+            <a:r>
+              <a:rPr lang="en-US" b="1" dirty="0">
+                <a:solidFill>
+                  <a:schemeClr val="bg1"/>
+                </a:solidFill>
+              </a:rPr>
+              <a:t>Within a Steps guideline</a:t>
+            </a:r>
+          </a:p>
+          <a:p>
+            <a:pPr marL="1200150" lvl="2" indent="-285750">
+              <a:buFont typeface="Arial" panose="020B0604020202020204" pitchFamily="34" charset="0"/>
+              <a:buChar char="•"/>
+            </a:pPr>
+            <a:r>
+              <a:rPr lang="en-US" b="1" dirty="0">
+                <a:solidFill>
+                  <a:schemeClr val="bg1"/>
+                </a:solidFill>
+              </a:rPr>
+              <a:t>there must be at least one step.</a:t>
             </a:r>
           </a:p>
           <a:p>
@@ -23646,77 +24060,119 @@
                   <a:schemeClr val="bg1"/>
                 </a:solidFill>
               </a:rPr>
-              <a:t>    agent { </a:t>
-            </a:r>
-          </a:p>
-          <a:p>
-            <a:pPr marL="285750" lvl="0" indent="-285750">
-              <a:buFont typeface="Arial" panose="020B0604020202020204" pitchFamily="34" charset="0"/>
-              <a:buChar char="•"/>
-            </a:pPr>
-            <a:r>
-              <a:rPr lang="en-US" b="1" dirty="0">
-                <a:solidFill>
-                  <a:schemeClr val="bg1"/>
-                </a:solidFill>
-              </a:rPr>
-              <a:t>        docker { </a:t>
-            </a:r>
-          </a:p>
-          <a:p>
-            <a:pPr marL="285750" lvl="0" indent="-285750">
-              <a:buFont typeface="Arial" panose="020B0604020202020204" pitchFamily="34" charset="0"/>
-              <a:buChar char="•"/>
-            </a:pPr>
-            <a:r>
-              <a:rPr lang="en-US" b="1" dirty="0">
-                <a:solidFill>
-                  <a:schemeClr val="bg1"/>
-                </a:solidFill>
-              </a:rPr>
-              <a:t>            image  centos'</a:t>
-            </a:r>
-          </a:p>
-          <a:p>
-            <a:pPr marL="285750" lvl="0" indent="-285750">
-              <a:buFont typeface="Arial" panose="020B0604020202020204" pitchFamily="34" charset="0"/>
-              <a:buChar char="•"/>
-            </a:pPr>
-            <a:r>
-              <a:rPr lang="en-US" b="1" dirty="0">
-                <a:solidFill>
-                  <a:schemeClr val="bg1"/>
-                </a:solidFill>
-              </a:rPr>
-              <a:t>               }</a:t>
-            </a:r>
-          </a:p>
-          <a:p>
-            <a:pPr marL="285750" lvl="0" indent="-285750">
-              <a:buFont typeface="Arial" panose="020B0604020202020204" pitchFamily="34" charset="0"/>
-              <a:buChar char="•"/>
-            </a:pPr>
-            <a:r>
-              <a:rPr lang="en-US" b="1" dirty="0">
-                <a:solidFill>
-                  <a:schemeClr val="bg1"/>
-                </a:solidFill>
-              </a:rPr>
-              <a:t>          }</a:t>
-            </a:r>
-          </a:p>
-          <a:p>
-            <a:pPr marL="285750" lvl="0" indent="-285750">
-              <a:buFont typeface="Arial" panose="020B0604020202020204" pitchFamily="34" charset="0"/>
-              <a:buChar char="•"/>
-            </a:pPr>
-            <a:r>
-              <a:rPr lang="en-US" b="1" dirty="0">
-                <a:solidFill>
-                  <a:schemeClr val="bg1"/>
-                </a:solidFill>
-              </a:rPr>
-              <a:t>         }</a:t>
+              <a:t>    agent any </a:t>
+            </a:r>
+          </a:p>
+          <a:p>
+            <a:pPr marL="285750" lvl="0" indent="-285750">
+              <a:buFont typeface="Arial" panose="020B0604020202020204" pitchFamily="34" charset="0"/>
+              <a:buChar char="•"/>
+            </a:pPr>
+            <a:r>
+              <a:rPr lang="en-US" b="1" dirty="0">
+                <a:solidFill>
+                  <a:schemeClr val="bg1"/>
+                </a:solidFill>
+              </a:rPr>
+              <a:t>        stages { </a:t>
+            </a:r>
+          </a:p>
+          <a:p>
+            <a:pPr marL="285750" lvl="0" indent="-285750">
+              <a:buFont typeface="Arial" panose="020B0604020202020204" pitchFamily="34" charset="0"/>
+              <a:buChar char="•"/>
+            </a:pPr>
+            <a:r>
+              <a:rPr lang="en-US" b="1" dirty="0">
+                <a:solidFill>
+                  <a:schemeClr val="bg1"/>
+                </a:solidFill>
+              </a:rPr>
+              <a:t>            stage ('Build') { </a:t>
+            </a:r>
+          </a:p>
+          <a:p>
+            <a:pPr marL="285750" lvl="0" indent="-285750">
+              <a:buFont typeface="Arial" panose="020B0604020202020204" pitchFamily="34" charset="0"/>
+              <a:buChar char="•"/>
+            </a:pPr>
+            <a:r>
+              <a:rPr lang="en-US" b="1" dirty="0">
+                <a:solidFill>
+                  <a:schemeClr val="bg1"/>
+                </a:solidFill>
+              </a:rPr>
+              <a:t>                steps { </a:t>
+            </a:r>
+          </a:p>
+          <a:p>
+            <a:pPr marL="285750" lvl="0" indent="-285750">
+              <a:buFont typeface="Arial" panose="020B0604020202020204" pitchFamily="34" charset="0"/>
+              <a:buChar char="•"/>
+            </a:pPr>
+            <a:r>
+              <a:rPr lang="en-US" b="1" dirty="0">
+                <a:solidFill>
+                  <a:schemeClr val="bg1"/>
+                </a:solidFill>
+              </a:rPr>
+              <a:t>                    echo  'Running build phase. ' </a:t>
+            </a:r>
+          </a:p>
+          <a:p>
+            <a:pPr marL="285750" lvl="0" indent="-285750">
+              <a:buFont typeface="Arial" panose="020B0604020202020204" pitchFamily="34" charset="0"/>
+              <a:buChar char="•"/>
+            </a:pPr>
+            <a:r>
+              <a:rPr lang="en-US" b="1" dirty="0">
+                <a:solidFill>
+                  <a:schemeClr val="bg1"/>
+                </a:solidFill>
+              </a:rPr>
+              <a:t>                }</a:t>
+            </a:r>
+          </a:p>
+          <a:p>
+            <a:pPr marL="285750" lvl="0" indent="-285750">
+              <a:buFont typeface="Arial" panose="020B0604020202020204" pitchFamily="34" charset="0"/>
+              <a:buChar char="•"/>
+            </a:pPr>
+            <a:r>
+              <a:rPr lang="en-US" b="1" dirty="0">
+                <a:solidFill>
+                  <a:schemeClr val="bg1"/>
+                </a:solidFill>
+              </a:rPr>
+              <a:t>            }</a:t>
+            </a:r>
+          </a:p>
+          <a:p>
+            <a:pPr marL="285750" lvl="0" indent="-285750">
+              <a:buFont typeface="Arial" panose="020B0604020202020204" pitchFamily="34" charset="0"/>
+              <a:buChar char="•"/>
+            </a:pPr>
+            <a:r>
+              <a:rPr lang="en-US" b="1" dirty="0">
+                <a:solidFill>
+                  <a:schemeClr val="bg1"/>
+                </a:solidFill>
+              </a:rPr>
+              <a:t>        }</a:t>
+            </a:r>
+          </a:p>
+          <a:p>
+            <a:pPr marL="285750" lvl="0" indent="-285750">
+              <a:buFont typeface="Arial" panose="020B0604020202020204" pitchFamily="34" charset="0"/>
+              <a:buChar char="•"/>
+            </a:pPr>
+            <a:r>
+              <a:rPr lang="en-US" b="1" dirty="0">
+                <a:solidFill>
+                  <a:schemeClr val="bg1"/>
+                </a:solidFill>
+              </a:rPr>
+              <a:t>    }</a:t>
             </a:r>
           </a:p>
         </p:txBody>
@@ -23724,7 +24180,7 @@
     </p:spTree>
     <p:extLst>
       <p:ext uri="{BB962C8B-B14F-4D97-AF65-F5344CB8AC3E}">
-        <p14:creationId xmlns:p14="http://schemas.microsoft.com/office/powerpoint/2010/main" val="1310261781"/>
+        <p14:creationId xmlns:p14="http://schemas.microsoft.com/office/powerpoint/2010/main" val="446043649"/>
       </p:ext>
     </p:extLst>
   </p:cSld>
@@ -23955,7 +24411,7 @@
     </p:spTree>
     <p:extLst>
       <p:ext uri="{BB962C8B-B14F-4D97-AF65-F5344CB8AC3E}">
-        <p14:creationId xmlns:p14="http://schemas.microsoft.com/office/powerpoint/2010/main" val="3809658162"/>
+        <p14:creationId xmlns:p14="http://schemas.microsoft.com/office/powerpoint/2010/main" val="1310261781"/>
       </p:ext>
     </p:extLst>
   </p:cSld>
@@ -24186,7 +24642,7 @@
     </p:spTree>
     <p:extLst>
       <p:ext uri="{BB962C8B-B14F-4D97-AF65-F5344CB8AC3E}">
-        <p14:creationId xmlns:p14="http://schemas.microsoft.com/office/powerpoint/2010/main" val="2387641682"/>
+        <p14:creationId xmlns:p14="http://schemas.microsoft.com/office/powerpoint/2010/main" val="3809658162"/>
       </p:ext>
     </p:extLst>
   </p:cSld>
@@ -24417,7 +24873,7 @@
     </p:spTree>
     <p:extLst>
       <p:ext uri="{BB962C8B-B14F-4D97-AF65-F5344CB8AC3E}">
-        <p14:creationId xmlns:p14="http://schemas.microsoft.com/office/powerpoint/2010/main" val="2009435239"/>
+        <p14:creationId xmlns:p14="http://schemas.microsoft.com/office/powerpoint/2010/main" val="2387641682"/>
       </p:ext>
     </p:extLst>
   </p:cSld>
@@ -24648,7 +25104,1565 @@
     </p:spTree>
     <p:extLst>
       <p:ext uri="{BB962C8B-B14F-4D97-AF65-F5344CB8AC3E}">
+        <p14:creationId xmlns:p14="http://schemas.microsoft.com/office/powerpoint/2010/main" val="2009435239"/>
+      </p:ext>
+    </p:extLst>
+  </p:cSld>
+  <p:clrMapOvr>
+    <a:masterClrMapping/>
+  </p:clrMapOvr>
+</p:sld>
+</file>
+
+<file path=ppt/slides/slide65.xml><?xml version="1.0" encoding="utf-8"?>
+<p:sld xmlns:a="http://schemas.openxmlformats.org/drawingml/2006/main" xmlns:r="http://schemas.openxmlformats.org/officeDocument/2006/relationships" xmlns:p="http://schemas.openxmlformats.org/presentationml/2006/main">
+  <p:cSld>
+    <p:bg>
+      <p:bgPr>
+        <a:solidFill>
+          <a:schemeClr val="tx2">
+            <a:lumMod val="60000"/>
+            <a:lumOff val="40000"/>
+          </a:schemeClr>
+        </a:solidFill>
+        <a:effectLst/>
+      </p:bgPr>
+    </p:bg>
+    <p:spTree>
+      <p:nvGrpSpPr>
+        <p:cNvPr id="1" name=""/>
+        <p:cNvGrpSpPr/>
+        <p:nvPr/>
+      </p:nvGrpSpPr>
+      <p:grpSpPr>
+        <a:xfrm>
+          <a:off x="0" y="0"/>
+          <a:ext cx="0" cy="0"/>
+          <a:chOff x="0" y="0"/>
+          <a:chExt cx="0" cy="0"/>
+        </a:xfrm>
+      </p:grpSpPr>
+      <p:sp>
+        <p:nvSpPr>
+          <p:cNvPr id="2" name="Title 1">
+            <a:extLst>
+              <a:ext uri="{FF2B5EF4-FFF2-40B4-BE49-F238E27FC236}">
+                <a16:creationId xmlns:a16="http://schemas.microsoft.com/office/drawing/2014/main" id="{95E73203-FBFB-4A26-848E-5BAD5BBD0099}"/>
+              </a:ext>
+            </a:extLst>
+          </p:cNvPr>
+          <p:cNvSpPr>
+            <a:spLocks noGrp="1"/>
+          </p:cNvSpPr>
+          <p:nvPr>
+            <p:ph type="title"/>
+          </p:nvPr>
+        </p:nvSpPr>
+        <p:spPr>
+          <a:xfrm>
+            <a:off x="838200" y="365126"/>
+            <a:ext cx="10515600" cy="847226"/>
+          </a:xfrm>
+        </p:spPr>
+        <p:txBody>
+          <a:bodyPr/>
+          <a:lstStyle/>
+          <a:p>
+            <a:r>
+              <a:rPr lang="en-IN" b="1" dirty="0">
+                <a:solidFill>
+                  <a:schemeClr val="bg1"/>
+                </a:solidFill>
+                <a:latin typeface="+mn-lt"/>
+              </a:rPr>
+              <a:t>Pipelines - Agents</a:t>
+            </a:r>
+          </a:p>
+        </p:txBody>
+      </p:sp>
+      <p:sp>
+        <p:nvSpPr>
+          <p:cNvPr id="5" name="TextBox 4">
+            <a:extLst>
+              <a:ext uri="{FF2B5EF4-FFF2-40B4-BE49-F238E27FC236}">
+                <a16:creationId xmlns:a16="http://schemas.microsoft.com/office/drawing/2014/main" id="{8AE9DD7E-A733-4F88-BEEA-60EC64797F4C}"/>
+              </a:ext>
+            </a:extLst>
+          </p:cNvPr>
+          <p:cNvSpPr txBox="1"/>
+          <p:nvPr/>
+        </p:nvSpPr>
+        <p:spPr>
+          <a:xfrm>
+            <a:off x="902855" y="1644940"/>
+            <a:ext cx="10615808" cy="2585323"/>
+          </a:xfrm>
+          <a:prstGeom prst="rect">
+            <a:avLst/>
+          </a:prstGeom>
+          <a:noFill/>
+        </p:spPr>
+        <p:txBody>
+          <a:bodyPr wrap="square" rtlCol="0">
+            <a:spAutoFit/>
+          </a:bodyPr>
+          <a:lstStyle/>
+          <a:p>
+            <a:pPr marL="285750" lvl="0" indent="-285750">
+              <a:buFont typeface="Arial" panose="020B0604020202020204" pitchFamily="34" charset="0"/>
+              <a:buChar char="•"/>
+            </a:pPr>
+            <a:r>
+              <a:rPr lang="en-US" b="1" dirty="0">
+                <a:solidFill>
+                  <a:schemeClr val="bg1"/>
+                </a:solidFill>
+              </a:rPr>
+              <a:t>Agent example</a:t>
+            </a:r>
+          </a:p>
+          <a:p>
+            <a:pPr marL="285750" lvl="0" indent="-285750">
+              <a:buFont typeface="Arial" panose="020B0604020202020204" pitchFamily="34" charset="0"/>
+              <a:buChar char="•"/>
+            </a:pPr>
+            <a:endParaRPr lang="en-US" b="1" dirty="0">
+              <a:solidFill>
+                <a:schemeClr val="bg1"/>
+              </a:solidFill>
+            </a:endParaRPr>
+          </a:p>
+          <a:p>
+            <a:pPr marL="285750" lvl="0" indent="-285750">
+              <a:buFont typeface="Arial" panose="020B0604020202020204" pitchFamily="34" charset="0"/>
+              <a:buChar char="•"/>
+            </a:pPr>
+            <a:r>
+              <a:rPr lang="en-US" b="1" dirty="0">
+                <a:solidFill>
+                  <a:schemeClr val="bg1"/>
+                </a:solidFill>
+              </a:rPr>
+              <a:t>pipeline { </a:t>
+            </a:r>
+          </a:p>
+          <a:p>
+            <a:pPr marL="285750" lvl="0" indent="-285750">
+              <a:buFont typeface="Arial" panose="020B0604020202020204" pitchFamily="34" charset="0"/>
+              <a:buChar char="•"/>
+            </a:pPr>
+            <a:r>
+              <a:rPr lang="en-US" b="1" dirty="0">
+                <a:solidFill>
+                  <a:schemeClr val="bg1"/>
+                </a:solidFill>
+              </a:rPr>
+              <a:t>    agent { </a:t>
+            </a:r>
+          </a:p>
+          <a:p>
+            <a:pPr marL="285750" lvl="0" indent="-285750">
+              <a:buFont typeface="Arial" panose="020B0604020202020204" pitchFamily="34" charset="0"/>
+              <a:buChar char="•"/>
+            </a:pPr>
+            <a:r>
+              <a:rPr lang="en-US" b="1" dirty="0">
+                <a:solidFill>
+                  <a:schemeClr val="bg1"/>
+                </a:solidFill>
+              </a:rPr>
+              <a:t>        docker { </a:t>
+            </a:r>
+          </a:p>
+          <a:p>
+            <a:pPr marL="285750" lvl="0" indent="-285750">
+              <a:buFont typeface="Arial" panose="020B0604020202020204" pitchFamily="34" charset="0"/>
+              <a:buChar char="•"/>
+            </a:pPr>
+            <a:r>
+              <a:rPr lang="en-US" b="1" dirty="0">
+                <a:solidFill>
+                  <a:schemeClr val="bg1"/>
+                </a:solidFill>
+              </a:rPr>
+              <a:t>            image  centos'</a:t>
+            </a:r>
+          </a:p>
+          <a:p>
+            <a:pPr marL="285750" lvl="0" indent="-285750">
+              <a:buFont typeface="Arial" panose="020B0604020202020204" pitchFamily="34" charset="0"/>
+              <a:buChar char="•"/>
+            </a:pPr>
+            <a:r>
+              <a:rPr lang="en-US" b="1" dirty="0">
+                <a:solidFill>
+                  <a:schemeClr val="bg1"/>
+                </a:solidFill>
+              </a:rPr>
+              <a:t>               }</a:t>
+            </a:r>
+          </a:p>
+          <a:p>
+            <a:pPr marL="285750" lvl="0" indent="-285750">
+              <a:buFont typeface="Arial" panose="020B0604020202020204" pitchFamily="34" charset="0"/>
+              <a:buChar char="•"/>
+            </a:pPr>
+            <a:r>
+              <a:rPr lang="en-US" b="1" dirty="0">
+                <a:solidFill>
+                  <a:schemeClr val="bg1"/>
+                </a:solidFill>
+              </a:rPr>
+              <a:t>          }</a:t>
+            </a:r>
+          </a:p>
+          <a:p>
+            <a:pPr marL="285750" lvl="0" indent="-285750">
+              <a:buFont typeface="Arial" panose="020B0604020202020204" pitchFamily="34" charset="0"/>
+              <a:buChar char="•"/>
+            </a:pPr>
+            <a:r>
+              <a:rPr lang="en-US" b="1" dirty="0">
+                <a:solidFill>
+                  <a:schemeClr val="bg1"/>
+                </a:solidFill>
+              </a:rPr>
+              <a:t>         }</a:t>
+            </a:r>
+          </a:p>
+        </p:txBody>
+      </p:sp>
+    </p:spTree>
+    <p:extLst>
+      <p:ext uri="{BB962C8B-B14F-4D97-AF65-F5344CB8AC3E}">
         <p14:creationId xmlns:p14="http://schemas.microsoft.com/office/powerpoint/2010/main" val="1594327326"/>
+      </p:ext>
+    </p:extLst>
+  </p:cSld>
+  <p:clrMapOvr>
+    <a:masterClrMapping/>
+  </p:clrMapOvr>
+</p:sld>
+</file>
+
+<file path=ppt/slides/slide66.xml><?xml version="1.0" encoding="utf-8"?>
+<p:sld xmlns:a="http://schemas.openxmlformats.org/drawingml/2006/main" xmlns:r="http://schemas.openxmlformats.org/officeDocument/2006/relationships" xmlns:p="http://schemas.openxmlformats.org/presentationml/2006/main">
+  <p:cSld>
+    <p:bg>
+      <p:bgPr>
+        <a:solidFill>
+          <a:schemeClr val="tx2">
+            <a:lumMod val="60000"/>
+            <a:lumOff val="40000"/>
+          </a:schemeClr>
+        </a:solidFill>
+        <a:effectLst/>
+      </p:bgPr>
+    </p:bg>
+    <p:spTree>
+      <p:nvGrpSpPr>
+        <p:cNvPr id="1" name=""/>
+        <p:cNvGrpSpPr/>
+        <p:nvPr/>
+      </p:nvGrpSpPr>
+      <p:grpSpPr>
+        <a:xfrm>
+          <a:off x="0" y="0"/>
+          <a:ext cx="0" cy="0"/>
+          <a:chOff x="0" y="0"/>
+          <a:chExt cx="0" cy="0"/>
+        </a:xfrm>
+      </p:grpSpPr>
+      <p:sp>
+        <p:nvSpPr>
+          <p:cNvPr id="2" name="Title 1">
+            <a:extLst>
+              <a:ext uri="{FF2B5EF4-FFF2-40B4-BE49-F238E27FC236}">
+                <a16:creationId xmlns:a16="http://schemas.microsoft.com/office/drawing/2014/main" id="{95E73203-FBFB-4A26-848E-5BAD5BBD0099}"/>
+              </a:ext>
+            </a:extLst>
+          </p:cNvPr>
+          <p:cNvSpPr>
+            <a:spLocks noGrp="1"/>
+          </p:cNvSpPr>
+          <p:nvPr>
+            <p:ph type="title"/>
+          </p:nvPr>
+        </p:nvSpPr>
+        <p:spPr>
+          <a:xfrm>
+            <a:off x="838200" y="365126"/>
+            <a:ext cx="10515600" cy="847226"/>
+          </a:xfrm>
+        </p:spPr>
+        <p:txBody>
+          <a:bodyPr/>
+          <a:lstStyle/>
+          <a:p>
+            <a:r>
+              <a:rPr lang="en-IN" b="1" dirty="0">
+                <a:solidFill>
+                  <a:schemeClr val="bg1"/>
+                </a:solidFill>
+                <a:latin typeface="+mn-lt"/>
+              </a:rPr>
+              <a:t>Recording and Reporting Results</a:t>
+            </a:r>
+          </a:p>
+        </p:txBody>
+      </p:sp>
+      <p:sp>
+        <p:nvSpPr>
+          <p:cNvPr id="5" name="TextBox 4">
+            <a:extLst>
+              <a:ext uri="{FF2B5EF4-FFF2-40B4-BE49-F238E27FC236}">
+                <a16:creationId xmlns:a16="http://schemas.microsoft.com/office/drawing/2014/main" id="{8AE9DD7E-A733-4F88-BEEA-60EC64797F4C}"/>
+              </a:ext>
+            </a:extLst>
+          </p:cNvPr>
+          <p:cNvSpPr txBox="1"/>
+          <p:nvPr/>
+        </p:nvSpPr>
+        <p:spPr>
+          <a:xfrm>
+            <a:off x="902855" y="1644940"/>
+            <a:ext cx="10615808" cy="2862322"/>
+          </a:xfrm>
+          <a:prstGeom prst="rect">
+            <a:avLst/>
+          </a:prstGeom>
+          <a:noFill/>
+        </p:spPr>
+        <p:txBody>
+          <a:bodyPr wrap="square" rtlCol="0">
+            <a:spAutoFit/>
+          </a:bodyPr>
+          <a:lstStyle/>
+          <a:p>
+            <a:pPr marL="285750" lvl="0" indent="-285750">
+              <a:buFont typeface="Arial" panose="020B0604020202020204" pitchFamily="34" charset="0"/>
+              <a:buChar char="•"/>
+            </a:pPr>
+            <a:r>
+              <a:rPr lang="en-US" b="1" dirty="0">
+                <a:solidFill>
+                  <a:schemeClr val="bg1"/>
+                </a:solidFill>
+              </a:rPr>
+              <a:t>Jenkins was primarily used for running tests in the beginning. </a:t>
+            </a:r>
+          </a:p>
+          <a:p>
+            <a:pPr marL="285750" lvl="0" indent="-285750">
+              <a:buFont typeface="Arial" panose="020B0604020202020204" pitchFamily="34" charset="0"/>
+              <a:buChar char="•"/>
+            </a:pPr>
+            <a:r>
+              <a:rPr lang="en-US" b="1" dirty="0">
+                <a:solidFill>
+                  <a:schemeClr val="bg1"/>
+                </a:solidFill>
+              </a:rPr>
+              <a:t>Running tests in Jenkins is easy.</a:t>
+            </a:r>
+          </a:p>
+          <a:p>
+            <a:pPr marL="285750" lvl="0" indent="-285750">
+              <a:buFont typeface="Arial" panose="020B0604020202020204" pitchFamily="34" charset="0"/>
+              <a:buChar char="•"/>
+            </a:pPr>
+            <a:r>
+              <a:rPr lang="en-US" b="1" dirty="0">
+                <a:solidFill>
+                  <a:schemeClr val="bg1"/>
+                </a:solidFill>
+              </a:rPr>
+              <a:t>Equally important to consolidate the result</a:t>
+            </a:r>
+          </a:p>
+          <a:p>
+            <a:pPr marL="742950" lvl="1" indent="-285750">
+              <a:buFont typeface="Arial" panose="020B0604020202020204" pitchFamily="34" charset="0"/>
+              <a:buChar char="•"/>
+            </a:pPr>
+            <a:r>
+              <a:rPr lang="en-US" b="1" dirty="0">
+                <a:solidFill>
+                  <a:schemeClr val="bg1"/>
+                </a:solidFill>
+              </a:rPr>
+              <a:t>Summarizes the output. </a:t>
+            </a:r>
+          </a:p>
+          <a:p>
+            <a:pPr marL="285750" lvl="0" indent="-285750">
+              <a:buFont typeface="Arial" panose="020B0604020202020204" pitchFamily="34" charset="0"/>
+              <a:buChar char="•"/>
+            </a:pPr>
+            <a:r>
+              <a:rPr lang="en-US" b="1" dirty="0">
+                <a:solidFill>
+                  <a:schemeClr val="bg1"/>
+                </a:solidFill>
+              </a:rPr>
+              <a:t>Jenkins can record and aggregate test results </a:t>
+            </a:r>
+          </a:p>
+          <a:p>
+            <a:pPr marL="742950" lvl="1" indent="-285750">
+              <a:buFont typeface="Arial" panose="020B0604020202020204" pitchFamily="34" charset="0"/>
+              <a:buChar char="•"/>
+            </a:pPr>
+            <a:r>
+              <a:rPr lang="en-US" b="1" dirty="0">
+                <a:solidFill>
+                  <a:schemeClr val="bg1"/>
+                </a:solidFill>
+              </a:rPr>
+              <a:t>if test runner can output test result files. </a:t>
+            </a:r>
+          </a:p>
+          <a:p>
+            <a:pPr marL="285750" lvl="0" indent="-285750">
+              <a:buFont typeface="Arial" panose="020B0604020202020204" pitchFamily="34" charset="0"/>
+              <a:buChar char="•"/>
+            </a:pPr>
+            <a:r>
+              <a:rPr lang="en-US" b="1" dirty="0">
+                <a:solidFill>
+                  <a:schemeClr val="bg1"/>
+                </a:solidFill>
+              </a:rPr>
+              <a:t>Jenkins typically comes bundled with the </a:t>
+            </a:r>
+            <a:r>
+              <a:rPr lang="en-US" b="1" dirty="0" err="1">
+                <a:solidFill>
+                  <a:schemeClr val="bg1"/>
+                </a:solidFill>
+              </a:rPr>
+              <a:t>junit</a:t>
+            </a:r>
+            <a:r>
+              <a:rPr lang="en-US" b="1" dirty="0">
+                <a:solidFill>
+                  <a:schemeClr val="bg1"/>
+                </a:solidFill>
+              </a:rPr>
+              <a:t> step</a:t>
+            </a:r>
+          </a:p>
+          <a:p>
+            <a:pPr marL="285750" lvl="0" indent="-285750">
+              <a:buFont typeface="Arial" panose="020B0604020202020204" pitchFamily="34" charset="0"/>
+              <a:buChar char="•"/>
+            </a:pPr>
+            <a:r>
+              <a:rPr lang="en-US" b="1" dirty="0">
+                <a:solidFill>
+                  <a:schemeClr val="bg1"/>
+                </a:solidFill>
+              </a:rPr>
+              <a:t>If your test runner cannot output JUnit-style XML reports</a:t>
+            </a:r>
+          </a:p>
+          <a:p>
+            <a:pPr marL="742950" lvl="1" indent="-285750">
+              <a:buFont typeface="Arial" panose="020B0604020202020204" pitchFamily="34" charset="0"/>
+              <a:buChar char="•"/>
+            </a:pPr>
+            <a:r>
+              <a:rPr lang="en-US" b="1" dirty="0">
+                <a:solidFill>
+                  <a:schemeClr val="bg1"/>
+                </a:solidFill>
+              </a:rPr>
+              <a:t>additional plugins which process practically any widely-used test report format.</a:t>
+            </a:r>
+          </a:p>
+          <a:p>
+            <a:pPr marL="285750" lvl="0" indent="-285750">
+              <a:buFont typeface="Arial" panose="020B0604020202020204" pitchFamily="34" charset="0"/>
+              <a:buChar char="•"/>
+            </a:pPr>
+            <a:endParaRPr lang="en-US" b="1" dirty="0">
+              <a:solidFill>
+                <a:schemeClr val="bg1"/>
+              </a:solidFill>
+            </a:endParaRPr>
+          </a:p>
+        </p:txBody>
+      </p:sp>
+    </p:spTree>
+    <p:extLst>
+      <p:ext uri="{BB962C8B-B14F-4D97-AF65-F5344CB8AC3E}">
+        <p14:creationId xmlns:p14="http://schemas.microsoft.com/office/powerpoint/2010/main" val="3319896127"/>
+      </p:ext>
+    </p:extLst>
+  </p:cSld>
+  <p:clrMapOvr>
+    <a:masterClrMapping/>
+  </p:clrMapOvr>
+</p:sld>
+</file>
+
+<file path=ppt/slides/slide67.xml><?xml version="1.0" encoding="utf-8"?>
+<p:sld xmlns:a="http://schemas.openxmlformats.org/drawingml/2006/main" xmlns:r="http://schemas.openxmlformats.org/officeDocument/2006/relationships" xmlns:p="http://schemas.openxmlformats.org/presentationml/2006/main">
+  <p:cSld>
+    <p:bg>
+      <p:bgPr>
+        <a:solidFill>
+          <a:schemeClr val="tx2">
+            <a:lumMod val="60000"/>
+            <a:lumOff val="40000"/>
+          </a:schemeClr>
+        </a:solidFill>
+        <a:effectLst/>
+      </p:bgPr>
+    </p:bg>
+    <p:spTree>
+      <p:nvGrpSpPr>
+        <p:cNvPr id="1" name=""/>
+        <p:cNvGrpSpPr/>
+        <p:nvPr/>
+      </p:nvGrpSpPr>
+      <p:grpSpPr>
+        <a:xfrm>
+          <a:off x="0" y="0"/>
+          <a:ext cx="0" cy="0"/>
+          <a:chOff x="0" y="0"/>
+          <a:chExt cx="0" cy="0"/>
+        </a:xfrm>
+      </p:grpSpPr>
+      <p:sp>
+        <p:nvSpPr>
+          <p:cNvPr id="2" name="Title 1">
+            <a:extLst>
+              <a:ext uri="{FF2B5EF4-FFF2-40B4-BE49-F238E27FC236}">
+                <a16:creationId xmlns:a16="http://schemas.microsoft.com/office/drawing/2014/main" id="{95E73203-FBFB-4A26-848E-5BAD5BBD0099}"/>
+              </a:ext>
+            </a:extLst>
+          </p:cNvPr>
+          <p:cNvSpPr>
+            <a:spLocks noGrp="1"/>
+          </p:cNvSpPr>
+          <p:nvPr>
+            <p:ph type="title"/>
+          </p:nvPr>
+        </p:nvSpPr>
+        <p:spPr>
+          <a:xfrm>
+            <a:off x="838200" y="365126"/>
+            <a:ext cx="10515600" cy="847226"/>
+          </a:xfrm>
+        </p:spPr>
+        <p:txBody>
+          <a:bodyPr/>
+          <a:lstStyle/>
+          <a:p>
+            <a:r>
+              <a:rPr lang="en-IN" b="1" dirty="0">
+                <a:solidFill>
+                  <a:schemeClr val="bg1"/>
+                </a:solidFill>
+                <a:latin typeface="+mn-lt"/>
+              </a:rPr>
+              <a:t>Recording and Reporting Results</a:t>
+            </a:r>
+          </a:p>
+        </p:txBody>
+      </p:sp>
+      <p:sp>
+        <p:nvSpPr>
+          <p:cNvPr id="5" name="TextBox 4">
+            <a:extLst>
+              <a:ext uri="{FF2B5EF4-FFF2-40B4-BE49-F238E27FC236}">
+                <a16:creationId xmlns:a16="http://schemas.microsoft.com/office/drawing/2014/main" id="{8AE9DD7E-A733-4F88-BEEA-60EC64797F4C}"/>
+              </a:ext>
+            </a:extLst>
+          </p:cNvPr>
+          <p:cNvSpPr txBox="1"/>
+          <p:nvPr/>
+        </p:nvSpPr>
+        <p:spPr>
+          <a:xfrm>
+            <a:off x="838200" y="1212352"/>
+            <a:ext cx="10615808" cy="5632311"/>
+          </a:xfrm>
+          <a:prstGeom prst="rect">
+            <a:avLst/>
+          </a:prstGeom>
+          <a:noFill/>
+        </p:spPr>
+        <p:txBody>
+          <a:bodyPr wrap="square" rtlCol="0">
+            <a:spAutoFit/>
+          </a:bodyPr>
+          <a:lstStyle/>
+          <a:p>
+            <a:pPr marL="285750" lvl="0" indent="-285750">
+              <a:buFont typeface="Arial" panose="020B0604020202020204" pitchFamily="34" charset="0"/>
+              <a:buChar char="•"/>
+            </a:pPr>
+            <a:r>
+              <a:rPr lang="en-US" b="1" dirty="0">
+                <a:solidFill>
+                  <a:schemeClr val="bg1"/>
+                </a:solidFill>
+              </a:rPr>
+              <a:t>Preferably use post section to collect results</a:t>
+            </a:r>
+          </a:p>
+          <a:p>
+            <a:pPr marL="285750" lvl="0" indent="-285750">
+              <a:buFont typeface="Arial" panose="020B0604020202020204" pitchFamily="34" charset="0"/>
+              <a:buChar char="•"/>
+            </a:pPr>
+            <a:r>
+              <a:rPr lang="en-US" b="1" dirty="0" err="1">
+                <a:solidFill>
+                  <a:schemeClr val="bg1"/>
+                </a:solidFill>
+              </a:rPr>
+              <a:t>Jenkinsfile</a:t>
+            </a:r>
+            <a:r>
+              <a:rPr lang="en-US" b="1" dirty="0">
+                <a:solidFill>
+                  <a:schemeClr val="bg1"/>
+                </a:solidFill>
+              </a:rPr>
+              <a:t> (Declarative Pipeline)</a:t>
+            </a:r>
+          </a:p>
+          <a:p>
+            <a:pPr marL="285750" lvl="0" indent="-285750">
+              <a:buFont typeface="Arial" panose="020B0604020202020204" pitchFamily="34" charset="0"/>
+              <a:buChar char="•"/>
+            </a:pPr>
+            <a:r>
+              <a:rPr lang="en-US" b="1" dirty="0">
+                <a:solidFill>
+                  <a:schemeClr val="bg1"/>
+                </a:solidFill>
+              </a:rPr>
+              <a:t>pipeline {</a:t>
+            </a:r>
+          </a:p>
+          <a:p>
+            <a:pPr marL="285750" lvl="0" indent="-285750">
+              <a:buFont typeface="Arial" panose="020B0604020202020204" pitchFamily="34" charset="0"/>
+              <a:buChar char="•"/>
+            </a:pPr>
+            <a:r>
+              <a:rPr lang="en-US" b="1" dirty="0">
+                <a:solidFill>
+                  <a:schemeClr val="bg1"/>
+                </a:solidFill>
+              </a:rPr>
+              <a:t>    agent any</a:t>
+            </a:r>
+          </a:p>
+          <a:p>
+            <a:pPr marL="285750" lvl="0" indent="-285750">
+              <a:buFont typeface="Arial" panose="020B0604020202020204" pitchFamily="34" charset="0"/>
+              <a:buChar char="•"/>
+            </a:pPr>
+            <a:r>
+              <a:rPr lang="en-US" b="1" dirty="0">
+                <a:solidFill>
+                  <a:schemeClr val="bg1"/>
+                </a:solidFill>
+              </a:rPr>
+              <a:t>    stages {</a:t>
+            </a:r>
+          </a:p>
+          <a:p>
+            <a:pPr marL="285750" lvl="0" indent="-285750">
+              <a:buFont typeface="Arial" panose="020B0604020202020204" pitchFamily="34" charset="0"/>
+              <a:buChar char="•"/>
+            </a:pPr>
+            <a:r>
+              <a:rPr lang="en-US" b="1" dirty="0">
+                <a:solidFill>
+                  <a:schemeClr val="bg1"/>
+                </a:solidFill>
+              </a:rPr>
+              <a:t>        stage("build") {</a:t>
+            </a:r>
+          </a:p>
+          <a:p>
+            <a:pPr marL="285750" lvl="0" indent="-285750">
+              <a:buFont typeface="Arial" panose="020B0604020202020204" pitchFamily="34" charset="0"/>
+              <a:buChar char="•"/>
+            </a:pPr>
+            <a:r>
+              <a:rPr lang="en-US" b="1" dirty="0">
+                <a:solidFill>
+                  <a:schemeClr val="bg1"/>
+                </a:solidFill>
+              </a:rPr>
+              <a:t>            steps {</a:t>
+            </a:r>
+          </a:p>
+          <a:p>
+            <a:pPr marL="285750" lvl="0" indent="-285750">
+              <a:buFont typeface="Arial" panose="020B0604020202020204" pitchFamily="34" charset="0"/>
+              <a:buChar char="•"/>
+            </a:pPr>
+            <a:r>
+              <a:rPr lang="en-US" b="1" dirty="0">
+                <a:solidFill>
+                  <a:schemeClr val="bg1"/>
+                </a:solidFill>
+              </a:rPr>
+              <a:t>                git 'https://github.com/</a:t>
+            </a:r>
+            <a:r>
+              <a:rPr lang="en-US" b="1" dirty="0" err="1">
+                <a:solidFill>
+                  <a:schemeClr val="bg1"/>
+                </a:solidFill>
+              </a:rPr>
+              <a:t>vilasvarghese</a:t>
+            </a:r>
+            <a:r>
+              <a:rPr lang="en-US" b="1" dirty="0">
+                <a:solidFill>
+                  <a:schemeClr val="bg1"/>
+                </a:solidFill>
+              </a:rPr>
+              <a:t>/</a:t>
+            </a:r>
+            <a:r>
+              <a:rPr lang="en-US" b="1" dirty="0" err="1">
+                <a:solidFill>
+                  <a:schemeClr val="bg1"/>
+                </a:solidFill>
+              </a:rPr>
+              <a:t>devops.git</a:t>
+            </a:r>
+            <a:r>
+              <a:rPr lang="en-US" b="1" dirty="0">
+                <a:solidFill>
+                  <a:schemeClr val="bg1"/>
+                </a:solidFill>
+              </a:rPr>
+              <a:t>'</a:t>
+            </a:r>
+          </a:p>
+          <a:p>
+            <a:pPr marL="285750" lvl="0" indent="-285750">
+              <a:buFont typeface="Arial" panose="020B0604020202020204" pitchFamily="34" charset="0"/>
+              <a:buChar char="•"/>
+            </a:pPr>
+            <a:r>
+              <a:rPr lang="en-US" b="1" dirty="0">
+                <a:solidFill>
+                  <a:schemeClr val="bg1"/>
+                </a:solidFill>
+              </a:rPr>
+              <a:t>                </a:t>
+            </a:r>
+            <a:r>
+              <a:rPr lang="en-US" b="1" dirty="0" err="1">
+                <a:solidFill>
+                  <a:schemeClr val="bg1"/>
+                </a:solidFill>
+              </a:rPr>
+              <a:t>sh</a:t>
+            </a:r>
+            <a:r>
+              <a:rPr lang="en-US" b="1" dirty="0">
+                <a:solidFill>
+                  <a:schemeClr val="bg1"/>
+                </a:solidFill>
+              </a:rPr>
+              <a:t> '</a:t>
+            </a:r>
+            <a:r>
+              <a:rPr lang="en-US" b="1" dirty="0" err="1">
+                <a:solidFill>
+                  <a:schemeClr val="bg1"/>
+                </a:solidFill>
+              </a:rPr>
+              <a:t>mvn</a:t>
+            </a:r>
+            <a:r>
+              <a:rPr lang="en-US" b="1" dirty="0">
+                <a:solidFill>
+                  <a:schemeClr val="bg1"/>
+                </a:solidFill>
+              </a:rPr>
+              <a:t> clean install -</a:t>
+            </a:r>
+            <a:r>
+              <a:rPr lang="en-US" b="1" dirty="0" err="1">
+                <a:solidFill>
+                  <a:schemeClr val="bg1"/>
+                </a:solidFill>
+              </a:rPr>
+              <a:t>Dmaven.test.failure.ignore</a:t>
+            </a:r>
+            <a:r>
+              <a:rPr lang="en-US" b="1" dirty="0">
+                <a:solidFill>
+                  <a:schemeClr val="bg1"/>
+                </a:solidFill>
+              </a:rPr>
+              <a:t>=true'</a:t>
+            </a:r>
+          </a:p>
+          <a:p>
+            <a:pPr marL="285750" lvl="0" indent="-285750">
+              <a:buFont typeface="Arial" panose="020B0604020202020204" pitchFamily="34" charset="0"/>
+              <a:buChar char="•"/>
+            </a:pPr>
+            <a:r>
+              <a:rPr lang="en-US" b="1" dirty="0">
+                <a:solidFill>
+                  <a:schemeClr val="bg1"/>
+                </a:solidFill>
+              </a:rPr>
+              <a:t>            }</a:t>
+            </a:r>
+          </a:p>
+          <a:p>
+            <a:pPr marL="285750" lvl="0" indent="-285750">
+              <a:buFont typeface="Arial" panose="020B0604020202020204" pitchFamily="34" charset="0"/>
+              <a:buChar char="•"/>
+            </a:pPr>
+            <a:r>
+              <a:rPr lang="en-US" b="1" dirty="0">
+                <a:solidFill>
+                  <a:schemeClr val="bg1"/>
+                </a:solidFill>
+              </a:rPr>
+              <a:t>        }</a:t>
+            </a:r>
+          </a:p>
+          <a:p>
+            <a:pPr marL="285750" lvl="0" indent="-285750">
+              <a:buFont typeface="Arial" panose="020B0604020202020204" pitchFamily="34" charset="0"/>
+              <a:buChar char="•"/>
+            </a:pPr>
+            <a:r>
+              <a:rPr lang="en-US" b="1" dirty="0">
+                <a:solidFill>
+                  <a:schemeClr val="bg1"/>
+                </a:solidFill>
+              </a:rPr>
+              <a:t>    }</a:t>
+            </a:r>
+          </a:p>
+          <a:p>
+            <a:pPr marL="285750" lvl="0" indent="-285750">
+              <a:buFont typeface="Arial" panose="020B0604020202020204" pitchFamily="34" charset="0"/>
+              <a:buChar char="•"/>
+            </a:pPr>
+            <a:r>
+              <a:rPr lang="en-US" b="1" dirty="0">
+                <a:solidFill>
+                  <a:schemeClr val="bg1"/>
+                </a:solidFill>
+              </a:rPr>
+              <a:t>    post {</a:t>
+            </a:r>
+          </a:p>
+          <a:p>
+            <a:pPr marL="285750" lvl="0" indent="-285750">
+              <a:buFont typeface="Arial" panose="020B0604020202020204" pitchFamily="34" charset="0"/>
+              <a:buChar char="•"/>
+            </a:pPr>
+            <a:r>
+              <a:rPr lang="en-US" b="1" dirty="0">
+                <a:solidFill>
+                  <a:schemeClr val="bg1"/>
+                </a:solidFill>
+              </a:rPr>
+              <a:t>        always {</a:t>
+            </a:r>
+          </a:p>
+          <a:p>
+            <a:pPr marL="285750" lvl="0" indent="-285750">
+              <a:buFont typeface="Arial" panose="020B0604020202020204" pitchFamily="34" charset="0"/>
+              <a:buChar char="•"/>
+            </a:pPr>
+            <a:r>
+              <a:rPr lang="en-US" b="1" dirty="0">
+                <a:solidFill>
+                  <a:schemeClr val="bg1"/>
+                </a:solidFill>
+              </a:rPr>
+              <a:t>            //archive "target/**/*" - build/libs/**/*.jar</a:t>
+            </a:r>
+          </a:p>
+          <a:p>
+            <a:pPr marL="285750" lvl="0" indent="-285750">
+              <a:buFont typeface="Arial" panose="020B0604020202020204" pitchFamily="34" charset="0"/>
+              <a:buChar char="•"/>
+            </a:pPr>
+            <a:r>
+              <a:rPr lang="en-US" b="1" dirty="0">
+                <a:solidFill>
+                  <a:schemeClr val="bg1"/>
+                </a:solidFill>
+              </a:rPr>
+              <a:t>            </a:t>
+            </a:r>
+            <a:r>
+              <a:rPr lang="en-US" b="1" dirty="0" err="1">
+                <a:solidFill>
+                  <a:schemeClr val="bg1"/>
+                </a:solidFill>
+              </a:rPr>
+              <a:t>archiveArtifacts</a:t>
+            </a:r>
+            <a:r>
+              <a:rPr lang="en-US" b="1" dirty="0">
+                <a:solidFill>
+                  <a:schemeClr val="bg1"/>
+                </a:solidFill>
+              </a:rPr>
+              <a:t> artifacts: 'target/**/*', fingerprint: true</a:t>
+            </a:r>
+          </a:p>
+          <a:p>
+            <a:pPr marL="285750" lvl="0" indent="-285750">
+              <a:buFont typeface="Arial" panose="020B0604020202020204" pitchFamily="34" charset="0"/>
+              <a:buChar char="•"/>
+            </a:pPr>
+            <a:r>
+              <a:rPr lang="en-US" b="1" dirty="0">
+                <a:solidFill>
+                  <a:schemeClr val="bg1"/>
+                </a:solidFill>
+              </a:rPr>
+              <a:t>            </a:t>
+            </a:r>
+            <a:r>
+              <a:rPr lang="en-US" b="1" dirty="0" err="1">
+                <a:solidFill>
+                  <a:schemeClr val="bg1"/>
+                </a:solidFill>
+              </a:rPr>
+              <a:t>junit</a:t>
+            </a:r>
+            <a:r>
+              <a:rPr lang="en-US" b="1" dirty="0">
+                <a:solidFill>
+                  <a:schemeClr val="bg1"/>
+                </a:solidFill>
+              </a:rPr>
+              <a:t> 'target/surefire-reports/*.xml'</a:t>
+            </a:r>
+          </a:p>
+          <a:p>
+            <a:pPr marL="285750" lvl="0" indent="-285750">
+              <a:buFont typeface="Arial" panose="020B0604020202020204" pitchFamily="34" charset="0"/>
+              <a:buChar char="•"/>
+            </a:pPr>
+            <a:r>
+              <a:rPr lang="en-US" b="1" dirty="0">
+                <a:solidFill>
+                  <a:schemeClr val="bg1"/>
+                </a:solidFill>
+              </a:rPr>
+              <a:t>        }</a:t>
+            </a:r>
+          </a:p>
+          <a:p>
+            <a:pPr marL="285750" lvl="0" indent="-285750">
+              <a:buFont typeface="Arial" panose="020B0604020202020204" pitchFamily="34" charset="0"/>
+              <a:buChar char="•"/>
+            </a:pPr>
+            <a:r>
+              <a:rPr lang="en-US" b="1" dirty="0">
+                <a:solidFill>
+                  <a:schemeClr val="bg1"/>
+                </a:solidFill>
+              </a:rPr>
+              <a:t>    }</a:t>
+            </a:r>
+          </a:p>
+          <a:p>
+            <a:pPr marL="285750" lvl="0" indent="-285750">
+              <a:buFont typeface="Arial" panose="020B0604020202020204" pitchFamily="34" charset="0"/>
+              <a:buChar char="•"/>
+            </a:pPr>
+            <a:r>
+              <a:rPr lang="en-US" b="1" dirty="0">
+                <a:solidFill>
+                  <a:schemeClr val="bg1"/>
+                </a:solidFill>
+              </a:rPr>
+              <a:t>}</a:t>
+            </a:r>
+          </a:p>
+        </p:txBody>
+      </p:sp>
+    </p:spTree>
+    <p:extLst>
+      <p:ext uri="{BB962C8B-B14F-4D97-AF65-F5344CB8AC3E}">
+        <p14:creationId xmlns:p14="http://schemas.microsoft.com/office/powerpoint/2010/main" val="2159563443"/>
+      </p:ext>
+    </p:extLst>
+  </p:cSld>
+  <p:clrMapOvr>
+    <a:masterClrMapping/>
+  </p:clrMapOvr>
+</p:sld>
+</file>
+
+<file path=ppt/slides/slide68.xml><?xml version="1.0" encoding="utf-8"?>
+<p:sld xmlns:a="http://schemas.openxmlformats.org/drawingml/2006/main" xmlns:r="http://schemas.openxmlformats.org/officeDocument/2006/relationships" xmlns:p="http://schemas.openxmlformats.org/presentationml/2006/main">
+  <p:cSld>
+    <p:bg>
+      <p:bgPr>
+        <a:solidFill>
+          <a:schemeClr val="tx2">
+            <a:lumMod val="60000"/>
+            <a:lumOff val="40000"/>
+          </a:schemeClr>
+        </a:solidFill>
+        <a:effectLst/>
+      </p:bgPr>
+    </p:bg>
+    <p:spTree>
+      <p:nvGrpSpPr>
+        <p:cNvPr id="1" name=""/>
+        <p:cNvGrpSpPr/>
+        <p:nvPr/>
+      </p:nvGrpSpPr>
+      <p:grpSpPr>
+        <a:xfrm>
+          <a:off x="0" y="0"/>
+          <a:ext cx="0" cy="0"/>
+          <a:chOff x="0" y="0"/>
+          <a:chExt cx="0" cy="0"/>
+        </a:xfrm>
+      </p:grpSpPr>
+      <p:sp>
+        <p:nvSpPr>
+          <p:cNvPr id="2" name="Title 1">
+            <a:extLst>
+              <a:ext uri="{FF2B5EF4-FFF2-40B4-BE49-F238E27FC236}">
+                <a16:creationId xmlns:a16="http://schemas.microsoft.com/office/drawing/2014/main" id="{95E73203-FBFB-4A26-848E-5BAD5BBD0099}"/>
+              </a:ext>
+            </a:extLst>
+          </p:cNvPr>
+          <p:cNvSpPr>
+            <a:spLocks noGrp="1"/>
+          </p:cNvSpPr>
+          <p:nvPr>
+            <p:ph type="title"/>
+          </p:nvPr>
+        </p:nvSpPr>
+        <p:spPr>
+          <a:xfrm>
+            <a:off x="838200" y="365126"/>
+            <a:ext cx="10515600" cy="847226"/>
+          </a:xfrm>
+        </p:spPr>
+        <p:txBody>
+          <a:bodyPr/>
+          <a:lstStyle/>
+          <a:p>
+            <a:r>
+              <a:rPr lang="en-IN" b="1" dirty="0">
+                <a:solidFill>
+                  <a:schemeClr val="bg1"/>
+                </a:solidFill>
+                <a:latin typeface="+mn-lt"/>
+              </a:rPr>
+              <a:t>Recording and Reporting Results</a:t>
+            </a:r>
+          </a:p>
+        </p:txBody>
+      </p:sp>
+      <p:sp>
+        <p:nvSpPr>
+          <p:cNvPr id="5" name="TextBox 4">
+            <a:extLst>
+              <a:ext uri="{FF2B5EF4-FFF2-40B4-BE49-F238E27FC236}">
+                <a16:creationId xmlns:a16="http://schemas.microsoft.com/office/drawing/2014/main" id="{8AE9DD7E-A733-4F88-BEEA-60EC64797F4C}"/>
+              </a:ext>
+            </a:extLst>
+          </p:cNvPr>
+          <p:cNvSpPr txBox="1"/>
+          <p:nvPr/>
+        </p:nvSpPr>
+        <p:spPr>
+          <a:xfrm>
+            <a:off x="838200" y="1212352"/>
+            <a:ext cx="10615808" cy="3693319"/>
+          </a:xfrm>
+          <a:prstGeom prst="rect">
+            <a:avLst/>
+          </a:prstGeom>
+          <a:noFill/>
+        </p:spPr>
+        <p:txBody>
+          <a:bodyPr wrap="square" rtlCol="0">
+            <a:spAutoFit/>
+          </a:bodyPr>
+          <a:lstStyle/>
+          <a:p>
+            <a:pPr marL="285750" lvl="0" indent="-285750">
+              <a:buFont typeface="Arial" panose="020B0604020202020204" pitchFamily="34" charset="0"/>
+              <a:buChar char="•"/>
+            </a:pPr>
+            <a:r>
+              <a:rPr lang="en-US" b="1" dirty="0">
+                <a:solidFill>
+                  <a:schemeClr val="bg1"/>
+                </a:solidFill>
+              </a:rPr>
+              <a:t>Previous pipeline would</a:t>
+            </a:r>
+          </a:p>
+          <a:p>
+            <a:pPr marL="742950" lvl="1" indent="-285750">
+              <a:buFont typeface="Arial" panose="020B0604020202020204" pitchFamily="34" charset="0"/>
+              <a:buChar char="•"/>
+            </a:pPr>
+            <a:r>
+              <a:rPr lang="en-US" b="1" dirty="0">
+                <a:solidFill>
+                  <a:schemeClr val="bg1"/>
+                </a:solidFill>
+              </a:rPr>
+              <a:t>Always grab the test results </a:t>
+            </a:r>
+          </a:p>
+          <a:p>
+            <a:pPr marL="742950" lvl="1" indent="-285750">
+              <a:buFont typeface="Arial" panose="020B0604020202020204" pitchFamily="34" charset="0"/>
+              <a:buChar char="•"/>
+            </a:pPr>
+            <a:r>
+              <a:rPr lang="en-US" b="1" dirty="0">
+                <a:solidFill>
+                  <a:schemeClr val="bg1"/>
+                </a:solidFill>
+              </a:rPr>
+              <a:t>Let Jenkins track them</a:t>
+            </a:r>
+          </a:p>
+          <a:p>
+            <a:pPr marL="742950" lvl="1" indent="-285750">
+              <a:buFont typeface="Arial" panose="020B0604020202020204" pitchFamily="34" charset="0"/>
+              <a:buChar char="•"/>
+            </a:pPr>
+            <a:r>
+              <a:rPr lang="en-US" b="1" dirty="0">
+                <a:solidFill>
+                  <a:schemeClr val="bg1"/>
+                </a:solidFill>
+              </a:rPr>
+              <a:t>Calculate trends and report on them. </a:t>
+            </a:r>
+          </a:p>
+          <a:p>
+            <a:pPr marL="742950" lvl="1" indent="-285750">
+              <a:buFont typeface="Arial" panose="020B0604020202020204" pitchFamily="34" charset="0"/>
+              <a:buChar char="•"/>
+            </a:pPr>
+            <a:r>
+              <a:rPr lang="en-US" b="1" dirty="0">
+                <a:solidFill>
+                  <a:schemeClr val="bg1"/>
+                </a:solidFill>
+              </a:rPr>
+              <a:t>A Pipeline that has failing tests will be marked as "UNSTABLE"</a:t>
+            </a:r>
+          </a:p>
+          <a:p>
+            <a:pPr marL="742950" lvl="1" indent="-285750">
+              <a:buFont typeface="Arial" panose="020B0604020202020204" pitchFamily="34" charset="0"/>
+              <a:buChar char="•"/>
+            </a:pPr>
+            <a:r>
+              <a:rPr lang="en-US" b="1" dirty="0">
+                <a:solidFill>
+                  <a:schemeClr val="bg1"/>
+                </a:solidFill>
+              </a:rPr>
+              <a:t>Denoted by yellow in the pipeline web UI. </a:t>
+            </a:r>
+          </a:p>
+          <a:p>
+            <a:pPr marL="742950" lvl="1" indent="-285750">
+              <a:buFont typeface="Arial" panose="020B0604020202020204" pitchFamily="34" charset="0"/>
+              <a:buChar char="•"/>
+            </a:pPr>
+            <a:r>
+              <a:rPr lang="en-US" b="1" dirty="0">
+                <a:solidFill>
+                  <a:schemeClr val="bg1"/>
+                </a:solidFill>
+              </a:rPr>
+              <a:t>That is distinct from the "FAILED" state, denoted by red.</a:t>
+            </a:r>
+          </a:p>
+          <a:p>
+            <a:pPr marL="285750" lvl="0" indent="-285750">
+              <a:buFont typeface="Arial" panose="020B0604020202020204" pitchFamily="34" charset="0"/>
+              <a:buChar char="•"/>
+            </a:pPr>
+            <a:r>
+              <a:rPr lang="en-US" b="1" dirty="0">
+                <a:solidFill>
+                  <a:schemeClr val="bg1"/>
+                </a:solidFill>
+              </a:rPr>
+              <a:t>Artifacts</a:t>
+            </a:r>
+          </a:p>
+          <a:p>
+            <a:pPr marL="742950" lvl="1" indent="-285750">
+              <a:buFont typeface="Arial" panose="020B0604020202020204" pitchFamily="34" charset="0"/>
+              <a:buChar char="•"/>
+            </a:pPr>
+            <a:r>
+              <a:rPr lang="en-US" b="1" dirty="0">
+                <a:solidFill>
+                  <a:schemeClr val="bg1"/>
+                </a:solidFill>
+              </a:rPr>
+              <a:t>anything produced during the build process.</a:t>
+            </a:r>
+          </a:p>
+          <a:p>
+            <a:pPr marL="285750" lvl="0" indent="-285750">
+              <a:buFont typeface="Arial" panose="020B0604020202020204" pitchFamily="34" charset="0"/>
+              <a:buChar char="•"/>
+            </a:pPr>
+            <a:r>
+              <a:rPr lang="en-US" b="1" dirty="0">
+                <a:solidFill>
+                  <a:schemeClr val="bg1"/>
+                </a:solidFill>
+              </a:rPr>
+              <a:t>Fingerprinting artifacts</a:t>
+            </a:r>
+          </a:p>
+          <a:p>
+            <a:pPr marL="742950" lvl="1" indent="-285750">
+              <a:buFont typeface="Arial" panose="020B0604020202020204" pitchFamily="34" charset="0"/>
+              <a:buChar char="•"/>
+            </a:pPr>
+            <a:r>
+              <a:rPr lang="en-US" b="1" dirty="0">
+                <a:solidFill>
+                  <a:schemeClr val="bg1"/>
+                </a:solidFill>
+              </a:rPr>
+              <a:t>recording the MD5 checksum of selected artifacts.</a:t>
+            </a:r>
+          </a:p>
+          <a:p>
+            <a:pPr marL="742950" lvl="1" indent="-285750">
+              <a:buFont typeface="Arial" panose="020B0604020202020204" pitchFamily="34" charset="0"/>
+              <a:buChar char="•"/>
+            </a:pPr>
+            <a:r>
+              <a:rPr lang="en-US" b="1" dirty="0">
+                <a:solidFill>
+                  <a:schemeClr val="bg1"/>
+                </a:solidFill>
+              </a:rPr>
+              <a:t>MD5 checksum can be used to track a particular artifact back to the build it came from.</a:t>
+            </a:r>
+          </a:p>
+          <a:p>
+            <a:pPr marL="742950" lvl="1" indent="-285750">
+              <a:buFont typeface="Arial" panose="020B0604020202020204" pitchFamily="34" charset="0"/>
+              <a:buChar char="•"/>
+            </a:pPr>
+            <a:r>
+              <a:rPr lang="en-US" b="1" dirty="0">
+                <a:solidFill>
+                  <a:schemeClr val="bg1"/>
+                </a:solidFill>
+              </a:rPr>
+              <a:t>Fingerprinting help Jenkins to track which version of a file is used by which version of a dependency.</a:t>
+            </a:r>
+          </a:p>
+        </p:txBody>
+      </p:sp>
+    </p:spTree>
+    <p:extLst>
+      <p:ext uri="{BB962C8B-B14F-4D97-AF65-F5344CB8AC3E}">
+        <p14:creationId xmlns:p14="http://schemas.microsoft.com/office/powerpoint/2010/main" val="3625298110"/>
+      </p:ext>
+    </p:extLst>
+  </p:cSld>
+  <p:clrMapOvr>
+    <a:masterClrMapping/>
+  </p:clrMapOvr>
+</p:sld>
+</file>
+
+<file path=ppt/slides/slide69.xml><?xml version="1.0" encoding="utf-8"?>
+<p:sld xmlns:a="http://schemas.openxmlformats.org/drawingml/2006/main" xmlns:r="http://schemas.openxmlformats.org/officeDocument/2006/relationships" xmlns:p="http://schemas.openxmlformats.org/presentationml/2006/main">
+  <p:cSld>
+    <p:bg>
+      <p:bgPr>
+        <a:solidFill>
+          <a:schemeClr val="tx2">
+            <a:lumMod val="60000"/>
+            <a:lumOff val="40000"/>
+          </a:schemeClr>
+        </a:solidFill>
+        <a:effectLst/>
+      </p:bgPr>
+    </p:bg>
+    <p:spTree>
+      <p:nvGrpSpPr>
+        <p:cNvPr id="1" name=""/>
+        <p:cNvGrpSpPr/>
+        <p:nvPr/>
+      </p:nvGrpSpPr>
+      <p:grpSpPr>
+        <a:xfrm>
+          <a:off x="0" y="0"/>
+          <a:ext cx="0" cy="0"/>
+          <a:chOff x="0" y="0"/>
+          <a:chExt cx="0" cy="0"/>
+        </a:xfrm>
+      </p:grpSpPr>
+      <p:sp>
+        <p:nvSpPr>
+          <p:cNvPr id="2" name="Title 1">
+            <a:extLst>
+              <a:ext uri="{FF2B5EF4-FFF2-40B4-BE49-F238E27FC236}">
+                <a16:creationId xmlns:a16="http://schemas.microsoft.com/office/drawing/2014/main" id="{95E73203-FBFB-4A26-848E-5BAD5BBD0099}"/>
+              </a:ext>
+            </a:extLst>
+          </p:cNvPr>
+          <p:cNvSpPr>
+            <a:spLocks noGrp="1"/>
+          </p:cNvSpPr>
+          <p:nvPr>
+            <p:ph type="title"/>
+          </p:nvPr>
+        </p:nvSpPr>
+        <p:spPr>
+          <a:xfrm>
+            <a:off x="838200" y="365126"/>
+            <a:ext cx="10515600" cy="847226"/>
+          </a:xfrm>
+        </p:spPr>
+        <p:txBody>
+          <a:bodyPr/>
+          <a:lstStyle/>
+          <a:p>
+            <a:r>
+              <a:rPr lang="en-IN" b="1" dirty="0">
+                <a:solidFill>
+                  <a:schemeClr val="bg1"/>
+                </a:solidFill>
+                <a:latin typeface="+mn-lt"/>
+              </a:rPr>
+              <a:t>Recording and Reporting Results</a:t>
+            </a:r>
+          </a:p>
+        </p:txBody>
+      </p:sp>
+      <p:sp>
+        <p:nvSpPr>
+          <p:cNvPr id="5" name="TextBox 4">
+            <a:extLst>
+              <a:ext uri="{FF2B5EF4-FFF2-40B4-BE49-F238E27FC236}">
+                <a16:creationId xmlns:a16="http://schemas.microsoft.com/office/drawing/2014/main" id="{8AE9DD7E-A733-4F88-BEEA-60EC64797F4C}"/>
+              </a:ext>
+            </a:extLst>
+          </p:cNvPr>
+          <p:cNvSpPr txBox="1"/>
+          <p:nvPr/>
+        </p:nvSpPr>
+        <p:spPr>
+          <a:xfrm>
+            <a:off x="838200" y="1212352"/>
+            <a:ext cx="10615808" cy="2308324"/>
+          </a:xfrm>
+          <a:prstGeom prst="rect">
+            <a:avLst/>
+          </a:prstGeom>
+          <a:noFill/>
+        </p:spPr>
+        <p:txBody>
+          <a:bodyPr wrap="square" rtlCol="0">
+            <a:spAutoFit/>
+          </a:bodyPr>
+          <a:lstStyle/>
+          <a:p>
+            <a:pPr marL="285750" lvl="0" indent="-285750">
+              <a:buFont typeface="Arial" panose="020B0604020202020204" pitchFamily="34" charset="0"/>
+              <a:buChar char="•"/>
+            </a:pPr>
+            <a:r>
+              <a:rPr lang="en-US" b="1" dirty="0">
+                <a:solidFill>
+                  <a:schemeClr val="bg1"/>
+                </a:solidFill>
+              </a:rPr>
+              <a:t>Pipeline execution will by default proceed even when the build is unstable. </a:t>
+            </a:r>
+          </a:p>
+          <a:p>
+            <a:pPr marL="742950" lvl="1" indent="-285750">
+              <a:buFont typeface="Arial" panose="020B0604020202020204" pitchFamily="34" charset="0"/>
+              <a:buChar char="•"/>
+            </a:pPr>
+            <a:r>
+              <a:rPr lang="en-US" b="1" dirty="0">
+                <a:solidFill>
+                  <a:schemeClr val="bg1"/>
+                </a:solidFill>
+              </a:rPr>
+              <a:t>-</a:t>
+            </a:r>
+            <a:r>
+              <a:rPr lang="en-US" b="1" dirty="0" err="1">
+                <a:solidFill>
+                  <a:schemeClr val="bg1"/>
+                </a:solidFill>
+              </a:rPr>
+              <a:t>Dmaven.test.failure.ignore</a:t>
+            </a:r>
+            <a:r>
+              <a:rPr lang="en-US" b="1" dirty="0">
+                <a:solidFill>
+                  <a:schemeClr val="bg1"/>
+                </a:solidFill>
+              </a:rPr>
+              <a:t>=true is the maven's option to ignore and continue</a:t>
+            </a:r>
+          </a:p>
+          <a:p>
+            <a:pPr marL="742950" lvl="1" indent="-285750">
+              <a:buFont typeface="Arial" panose="020B0604020202020204" pitchFamily="34" charset="0"/>
+              <a:buChar char="•"/>
+            </a:pPr>
+            <a:r>
+              <a:rPr lang="en-US" b="1" dirty="0">
+                <a:solidFill>
+                  <a:schemeClr val="bg1"/>
+                </a:solidFill>
+              </a:rPr>
+              <a:t>Maven executes a list of target in sequence.</a:t>
+            </a:r>
+          </a:p>
+          <a:p>
+            <a:pPr marL="742950" lvl="1" indent="-285750">
+              <a:buFont typeface="Arial" panose="020B0604020202020204" pitchFamily="34" charset="0"/>
+              <a:buChar char="•"/>
+            </a:pPr>
+            <a:r>
+              <a:rPr lang="en-US" b="1" dirty="0">
+                <a:solidFill>
+                  <a:schemeClr val="bg1"/>
+                </a:solidFill>
+              </a:rPr>
+              <a:t>It was pipeline post helping us to overcome red color. </a:t>
+            </a:r>
+          </a:p>
+          <a:p>
+            <a:pPr marL="285750" lvl="0" indent="-285750">
+              <a:buFont typeface="Arial" panose="020B0604020202020204" pitchFamily="34" charset="0"/>
+              <a:buChar char="•"/>
+            </a:pPr>
+            <a:r>
+              <a:rPr lang="en-US" b="1" dirty="0">
+                <a:solidFill>
+                  <a:schemeClr val="bg1"/>
+                </a:solidFill>
+              </a:rPr>
+              <a:t>To skip deployment after test failures in Declarative syntax</a:t>
+            </a:r>
+          </a:p>
+          <a:p>
+            <a:pPr marL="742950" lvl="1" indent="-285750">
+              <a:buFont typeface="Arial" panose="020B0604020202020204" pitchFamily="34" charset="0"/>
+              <a:buChar char="•"/>
+            </a:pPr>
+            <a:r>
+              <a:rPr lang="en-US" b="1" dirty="0">
+                <a:solidFill>
+                  <a:schemeClr val="bg1"/>
+                </a:solidFill>
+              </a:rPr>
+              <a:t>use the </a:t>
+            </a:r>
+            <a:r>
+              <a:rPr lang="en-US" b="1" dirty="0" err="1">
+                <a:solidFill>
+                  <a:schemeClr val="bg1"/>
+                </a:solidFill>
+              </a:rPr>
+              <a:t>skipStagesAfterUnstable</a:t>
+            </a:r>
+            <a:r>
+              <a:rPr lang="en-US" b="1" dirty="0">
+                <a:solidFill>
+                  <a:schemeClr val="bg1"/>
+                </a:solidFill>
+              </a:rPr>
+              <a:t> option. </a:t>
+            </a:r>
+          </a:p>
+          <a:p>
+            <a:pPr marL="742950" lvl="1" indent="-285750">
+              <a:buFont typeface="Arial" panose="020B0604020202020204" pitchFamily="34" charset="0"/>
+              <a:buChar char="•"/>
+            </a:pPr>
+            <a:r>
+              <a:rPr lang="en-US" b="1" dirty="0">
+                <a:solidFill>
+                  <a:schemeClr val="bg1"/>
+                </a:solidFill>
+              </a:rPr>
+              <a:t>In Scripted syntax, </a:t>
+            </a:r>
+            <a:r>
+              <a:rPr lang="en-US" b="1" dirty="0" err="1">
+                <a:solidFill>
+                  <a:schemeClr val="bg1"/>
+                </a:solidFill>
+              </a:rPr>
+              <a:t>currentBuild.currentResult</a:t>
+            </a:r>
+            <a:r>
+              <a:rPr lang="en-US" b="1" dirty="0">
+                <a:solidFill>
+                  <a:schemeClr val="bg1"/>
+                </a:solidFill>
+              </a:rPr>
+              <a:t> == 'SUCCESS’.</a:t>
+            </a:r>
+          </a:p>
+          <a:p>
+            <a:pPr marL="742950" lvl="1" indent="-285750">
+              <a:buFont typeface="Arial" panose="020B0604020202020204" pitchFamily="34" charset="0"/>
+              <a:buChar char="•"/>
+            </a:pPr>
+            <a:r>
+              <a:rPr lang="en-US" b="1" dirty="0">
+                <a:solidFill>
+                  <a:schemeClr val="bg1"/>
+                </a:solidFill>
+              </a:rPr>
+              <a:t>D:\PraiseTheLord\HSBGInfotech\Others\vilas\devops\jenkins\Lab\Pipeline\RealPipeline.txt</a:t>
+            </a:r>
+          </a:p>
+        </p:txBody>
+      </p:sp>
+    </p:spTree>
+    <p:extLst>
+      <p:ext uri="{BB962C8B-B14F-4D97-AF65-F5344CB8AC3E}">
+        <p14:creationId xmlns:p14="http://schemas.microsoft.com/office/powerpoint/2010/main" val="105699363"/>
       </p:ext>
     </p:extLst>
   </p:cSld>
@@ -25028,6 +27042,340 @@
     <p:extLst>
       <p:ext uri="{BB962C8B-B14F-4D97-AF65-F5344CB8AC3E}">
         <p14:creationId xmlns:p14="http://schemas.microsoft.com/office/powerpoint/2010/main" val="290412906"/>
+      </p:ext>
+    </p:extLst>
+  </p:cSld>
+  <p:clrMapOvr>
+    <a:masterClrMapping/>
+  </p:clrMapOvr>
+</p:sld>
+</file>
+
+<file path=ppt/slides/slide70.xml><?xml version="1.0" encoding="utf-8"?>
+<p:sld xmlns:a="http://schemas.openxmlformats.org/drawingml/2006/main" xmlns:r="http://schemas.openxmlformats.org/officeDocument/2006/relationships" xmlns:p="http://schemas.openxmlformats.org/presentationml/2006/main">
+  <p:cSld>
+    <p:bg>
+      <p:bgPr>
+        <a:solidFill>
+          <a:schemeClr val="tx2">
+            <a:lumMod val="60000"/>
+            <a:lumOff val="40000"/>
+          </a:schemeClr>
+        </a:solidFill>
+        <a:effectLst/>
+      </p:bgPr>
+    </p:bg>
+    <p:spTree>
+      <p:nvGrpSpPr>
+        <p:cNvPr id="1" name=""/>
+        <p:cNvGrpSpPr/>
+        <p:nvPr/>
+      </p:nvGrpSpPr>
+      <p:grpSpPr>
+        <a:xfrm>
+          <a:off x="0" y="0"/>
+          <a:ext cx="0" cy="0"/>
+          <a:chOff x="0" y="0"/>
+          <a:chExt cx="0" cy="0"/>
+        </a:xfrm>
+      </p:grpSpPr>
+      <p:sp>
+        <p:nvSpPr>
+          <p:cNvPr id="2" name="Title 1">
+            <a:extLst>
+              <a:ext uri="{FF2B5EF4-FFF2-40B4-BE49-F238E27FC236}">
+                <a16:creationId xmlns:a16="http://schemas.microsoft.com/office/drawing/2014/main" id="{95E73203-FBFB-4A26-848E-5BAD5BBD0099}"/>
+              </a:ext>
+            </a:extLst>
+          </p:cNvPr>
+          <p:cNvSpPr>
+            <a:spLocks noGrp="1"/>
+          </p:cNvSpPr>
+          <p:nvPr>
+            <p:ph type="title"/>
+          </p:nvPr>
+        </p:nvSpPr>
+        <p:spPr>
+          <a:xfrm>
+            <a:off x="838200" y="365126"/>
+            <a:ext cx="10515600" cy="847226"/>
+          </a:xfrm>
+        </p:spPr>
+        <p:txBody>
+          <a:bodyPr/>
+          <a:lstStyle/>
+          <a:p>
+            <a:r>
+              <a:rPr lang="en-IN" b="1" dirty="0">
+                <a:solidFill>
+                  <a:schemeClr val="bg1"/>
+                </a:solidFill>
+                <a:latin typeface="+mn-lt"/>
+              </a:rPr>
+              <a:t>Recording and Reporting Results</a:t>
+            </a:r>
+          </a:p>
+        </p:txBody>
+      </p:sp>
+      <p:sp>
+        <p:nvSpPr>
+          <p:cNvPr id="5" name="TextBox 4">
+            <a:extLst>
+              <a:ext uri="{FF2B5EF4-FFF2-40B4-BE49-F238E27FC236}">
+                <a16:creationId xmlns:a16="http://schemas.microsoft.com/office/drawing/2014/main" id="{8AE9DD7E-A733-4F88-BEEA-60EC64797F4C}"/>
+              </a:ext>
+            </a:extLst>
+          </p:cNvPr>
+          <p:cNvSpPr txBox="1"/>
+          <p:nvPr/>
+        </p:nvSpPr>
+        <p:spPr>
+          <a:xfrm>
+            <a:off x="838200" y="1212352"/>
+            <a:ext cx="10615808" cy="3416320"/>
+          </a:xfrm>
+          <a:prstGeom prst="rect">
+            <a:avLst/>
+          </a:prstGeom>
+          <a:noFill/>
+        </p:spPr>
+        <p:txBody>
+          <a:bodyPr wrap="square" rtlCol="0">
+            <a:spAutoFit/>
+          </a:bodyPr>
+          <a:lstStyle/>
+          <a:p>
+            <a:pPr marL="285750" lvl="0" indent="-285750">
+              <a:buFont typeface="Arial" panose="020B0604020202020204" pitchFamily="34" charset="0"/>
+              <a:buChar char="•"/>
+            </a:pPr>
+            <a:r>
+              <a:rPr lang="en-US" b="1" dirty="0">
+                <a:solidFill>
+                  <a:schemeClr val="bg1"/>
+                </a:solidFill>
+              </a:rPr>
+              <a:t>When there are test failures, </a:t>
+            </a:r>
+          </a:p>
+          <a:p>
+            <a:pPr marL="742950" lvl="1" indent="-285750">
+              <a:buFont typeface="Arial" panose="020B0604020202020204" pitchFamily="34" charset="0"/>
+              <a:buChar char="•"/>
+            </a:pPr>
+            <a:r>
+              <a:rPr lang="en-US" b="1" dirty="0">
+                <a:solidFill>
+                  <a:schemeClr val="bg1"/>
+                </a:solidFill>
+              </a:rPr>
+              <a:t>Grab built artifacts from Jenkins for local analysis and investigation. </a:t>
+            </a:r>
+          </a:p>
+          <a:p>
+            <a:pPr marL="742950" lvl="1" indent="-285750">
+              <a:buFont typeface="Arial" panose="020B0604020202020204" pitchFamily="34" charset="0"/>
+              <a:buChar char="•"/>
+            </a:pPr>
+            <a:r>
+              <a:rPr lang="en-US" b="1" dirty="0">
+                <a:solidFill>
+                  <a:schemeClr val="bg1"/>
+                </a:solidFill>
+              </a:rPr>
+              <a:t>Jenkins gives in-built support for storing "artifacts", </a:t>
+            </a:r>
+          </a:p>
+          <a:p>
+            <a:pPr marL="742950" lvl="1" indent="-285750">
+              <a:buFont typeface="Arial" panose="020B0604020202020204" pitchFamily="34" charset="0"/>
+              <a:buChar char="•"/>
+            </a:pPr>
+            <a:r>
+              <a:rPr lang="en-US" b="1" dirty="0">
+                <a:solidFill>
+                  <a:schemeClr val="bg1"/>
+                </a:solidFill>
+              </a:rPr>
+              <a:t>files generated during the execution of the Pipeline.</a:t>
+            </a:r>
+          </a:p>
+          <a:p>
+            <a:pPr marL="285750" lvl="0" indent="-285750">
+              <a:buFont typeface="Arial" panose="020B0604020202020204" pitchFamily="34" charset="0"/>
+              <a:buChar char="•"/>
+            </a:pPr>
+            <a:endParaRPr lang="en-US" b="1" dirty="0">
+              <a:solidFill>
+                <a:schemeClr val="bg1"/>
+              </a:solidFill>
+            </a:endParaRPr>
+          </a:p>
+          <a:p>
+            <a:pPr marL="285750" lvl="0" indent="-285750">
+              <a:buFont typeface="Arial" panose="020B0604020202020204" pitchFamily="34" charset="0"/>
+              <a:buChar char="•"/>
+            </a:pPr>
+            <a:r>
+              <a:rPr lang="en-US" b="1" dirty="0">
+                <a:solidFill>
+                  <a:schemeClr val="bg1"/>
+                </a:solidFill>
+              </a:rPr>
+              <a:t>This is easily done with the </a:t>
+            </a:r>
+            <a:r>
+              <a:rPr lang="en-US" b="1" dirty="0" err="1">
+                <a:solidFill>
+                  <a:schemeClr val="bg1"/>
+                </a:solidFill>
+              </a:rPr>
+              <a:t>archiveArtifacts</a:t>
+            </a:r>
+            <a:r>
+              <a:rPr lang="en-US" b="1" dirty="0">
+                <a:solidFill>
+                  <a:schemeClr val="bg1"/>
+                </a:solidFill>
+              </a:rPr>
+              <a:t> step </a:t>
+            </a:r>
+          </a:p>
+          <a:p>
+            <a:pPr marL="742950" lvl="1" indent="-285750">
+              <a:buFont typeface="Arial" panose="020B0604020202020204" pitchFamily="34" charset="0"/>
+              <a:buChar char="•"/>
+            </a:pPr>
+            <a:r>
+              <a:rPr lang="en-US" b="1" dirty="0">
+                <a:solidFill>
+                  <a:schemeClr val="bg1"/>
+                </a:solidFill>
+              </a:rPr>
+              <a:t>[Old archive is deprecated].</a:t>
+            </a:r>
+          </a:p>
+          <a:p>
+            <a:pPr marL="285750" lvl="0" indent="-285750">
+              <a:buFont typeface="Arial" panose="020B0604020202020204" pitchFamily="34" charset="0"/>
+              <a:buChar char="•"/>
+            </a:pPr>
+            <a:r>
+              <a:rPr lang="en-US" b="1" dirty="0">
+                <a:solidFill>
+                  <a:schemeClr val="bg1"/>
+                </a:solidFill>
+              </a:rPr>
+              <a:t>in </a:t>
+            </a:r>
+            <a:r>
+              <a:rPr lang="en-US" b="1" dirty="0" err="1">
+                <a:solidFill>
+                  <a:schemeClr val="bg1"/>
+                </a:solidFill>
+              </a:rPr>
+              <a:t>gradle</a:t>
+            </a:r>
+            <a:r>
+              <a:rPr lang="en-US" b="1" dirty="0">
+                <a:solidFill>
+                  <a:schemeClr val="bg1"/>
+                </a:solidFill>
+              </a:rPr>
+              <a:t>: </a:t>
+            </a:r>
+            <a:r>
+              <a:rPr lang="en-US" b="1" dirty="0" err="1">
+                <a:solidFill>
+                  <a:schemeClr val="bg1"/>
+                </a:solidFill>
+              </a:rPr>
+              <a:t>archiveArtifacts</a:t>
+            </a:r>
+            <a:r>
+              <a:rPr lang="en-US" b="1" dirty="0">
+                <a:solidFill>
+                  <a:schemeClr val="bg1"/>
+                </a:solidFill>
+              </a:rPr>
+              <a:t> 'build/libs/**/*.jar'</a:t>
+            </a:r>
+          </a:p>
+          <a:p>
+            <a:pPr marL="285750" lvl="0" indent="-285750">
+              <a:buFont typeface="Arial" panose="020B0604020202020204" pitchFamily="34" charset="0"/>
+              <a:buChar char="•"/>
+            </a:pPr>
+            <a:r>
+              <a:rPr lang="en-US" b="1" dirty="0">
+                <a:solidFill>
+                  <a:schemeClr val="bg1"/>
+                </a:solidFill>
+              </a:rPr>
+              <a:t>in maven: </a:t>
+            </a:r>
+            <a:r>
+              <a:rPr lang="en-US" b="1" dirty="0" err="1">
+                <a:solidFill>
+                  <a:schemeClr val="bg1"/>
+                </a:solidFill>
+              </a:rPr>
+              <a:t>archiveArtifacts</a:t>
+            </a:r>
+            <a:r>
+              <a:rPr lang="en-US" b="1" dirty="0">
+                <a:solidFill>
+                  <a:schemeClr val="bg1"/>
+                </a:solidFill>
+              </a:rPr>
+              <a:t> artifacts: 'target/**/*', fingerprint: true</a:t>
+            </a:r>
+          </a:p>
+          <a:p>
+            <a:pPr marL="285750" lvl="0" indent="-285750">
+              <a:buFont typeface="Arial" panose="020B0604020202020204" pitchFamily="34" charset="0"/>
+              <a:buChar char="•"/>
+            </a:pPr>
+            <a:endParaRPr lang="en-US" b="1" dirty="0">
+              <a:solidFill>
+                <a:schemeClr val="bg1"/>
+              </a:solidFill>
+            </a:endParaRPr>
+          </a:p>
+          <a:p>
+            <a:pPr marL="285750" lvl="0" indent="-285750">
+              <a:buFont typeface="Arial" panose="020B0604020202020204" pitchFamily="34" charset="0"/>
+              <a:buChar char="•"/>
+            </a:pPr>
+            <a:r>
+              <a:rPr lang="en-US" b="1" dirty="0">
+                <a:solidFill>
+                  <a:schemeClr val="bg1"/>
+                </a:solidFill>
+              </a:rPr>
+              <a:t>Recording tests and artifacts in Jenkins </a:t>
+            </a:r>
+          </a:p>
+          <a:p>
+            <a:pPr marL="742950" lvl="1" indent="-285750">
+              <a:buFont typeface="Arial" panose="020B0604020202020204" pitchFamily="34" charset="0"/>
+              <a:buChar char="•"/>
+            </a:pPr>
+            <a:r>
+              <a:rPr lang="en-US" b="1" dirty="0">
+                <a:solidFill>
+                  <a:schemeClr val="bg1"/>
+                </a:solidFill>
+              </a:rPr>
+              <a:t>helps to quickly identify issues quickly. </a:t>
+            </a:r>
+          </a:p>
+        </p:txBody>
+      </p:sp>
+    </p:spTree>
+    <p:extLst>
+      <p:ext uri="{BB962C8B-B14F-4D97-AF65-F5344CB8AC3E}">
+        <p14:creationId xmlns:p14="http://schemas.microsoft.com/office/powerpoint/2010/main" val="1440502432"/>
       </p:ext>
     </p:extLst>
   </p:cSld>
